--- a/Presentation.pptx
+++ b/Presentation.pptx
@@ -5,7 +5,7 @@
     <p:sldMasterId id="2147483648" r:id="rId1"/>
   </p:sldMasterIdLst>
   <p:notesMasterIdLst>
-    <p:notesMasterId r:id="rId18"/>
+    <p:notesMasterId r:id="rId17"/>
   </p:notesMasterIdLst>
   <p:sldIdLst>
     <p:sldId id="256" r:id="rId2"/>
@@ -14,16 +14,15 @@
     <p:sldId id="260" r:id="rId5"/>
     <p:sldId id="266" r:id="rId6"/>
     <p:sldId id="268" r:id="rId7"/>
-    <p:sldId id="269" r:id="rId8"/>
-    <p:sldId id="270" r:id="rId9"/>
-    <p:sldId id="259" r:id="rId10"/>
-    <p:sldId id="274" r:id="rId11"/>
-    <p:sldId id="261" r:id="rId12"/>
-    <p:sldId id="262" r:id="rId13"/>
-    <p:sldId id="271" r:id="rId14"/>
-    <p:sldId id="264" r:id="rId15"/>
-    <p:sldId id="272" r:id="rId16"/>
-    <p:sldId id="273" r:id="rId17"/>
+    <p:sldId id="270" r:id="rId8"/>
+    <p:sldId id="259" r:id="rId9"/>
+    <p:sldId id="274" r:id="rId10"/>
+    <p:sldId id="261" r:id="rId11"/>
+    <p:sldId id="262" r:id="rId12"/>
+    <p:sldId id="271" r:id="rId13"/>
+    <p:sldId id="264" r:id="rId14"/>
+    <p:sldId id="272" r:id="rId15"/>
+    <p:sldId id="273" r:id="rId16"/>
   </p:sldIdLst>
   <p:sldSz cx="12192000" cy="6858000"/>
   <p:notesSz cx="6858000" cy="9144000"/>
@@ -122,6 +121,11 @@
       </a:defRPr>
     </a:lvl9pPr>
   </p:defaultTextStyle>
+  <p:extLst>
+    <p:ext uri="{EFAFB233-063F-42B5-8137-9DF3F51BA10A}">
+      <p15:sldGuideLst xmlns:p15="http://schemas.microsoft.com/office/powerpoint/2012/main"/>
+    </p:ext>
+  </p:extLst>
 </p:presentation>
 </file>
 
@@ -207,7 +211,7 @@
           <a:p>
             <a:fld id="{75810227-3DBD-ED4F-880D-EDE5F0492BA5}" type="datetimeFigureOut">
               <a:rPr lang="en-US" smtClean="0"/>
-              <a:t>12/6/24</a:t>
+              <a:t>12/9/2024</a:t>
             </a:fld>
             <a:endParaRPr lang="en-US"/>
           </a:p>
@@ -539,7 +543,7 @@
           <a:p>
             <a:fld id="{434FA2CC-0372-2E4C-BE58-FCD0C3EB156F}" type="slidenum">
               <a:rPr lang="en-US" smtClean="0"/>
-              <a:t>11</a:t>
+              <a:t>10</a:t>
             </a:fld>
             <a:endParaRPr lang="en-US"/>
           </a:p>
@@ -705,7 +709,7 @@
           <a:p>
             <a:fld id="{035BA897-989B-8A44-8990-3F3D35700369}" type="datetimeFigureOut">
               <a:rPr lang="en-US" smtClean="0"/>
-              <a:t>12/6/24</a:t>
+              <a:t>12/9/2024</a:t>
             </a:fld>
             <a:endParaRPr lang="en-US"/>
           </a:p>
@@ -903,7 +907,7 @@
           <a:p>
             <a:fld id="{035BA897-989B-8A44-8990-3F3D35700369}" type="datetimeFigureOut">
               <a:rPr lang="en-US" smtClean="0"/>
-              <a:t>12/6/24</a:t>
+              <a:t>12/9/2024</a:t>
             </a:fld>
             <a:endParaRPr lang="en-US"/>
           </a:p>
@@ -1111,7 +1115,7 @@
           <a:p>
             <a:fld id="{035BA897-989B-8A44-8990-3F3D35700369}" type="datetimeFigureOut">
               <a:rPr lang="en-US" smtClean="0"/>
-              <a:t>12/6/24</a:t>
+              <a:t>12/9/2024</a:t>
             </a:fld>
             <a:endParaRPr lang="en-US"/>
           </a:p>
@@ -1309,7 +1313,7 @@
           <a:p>
             <a:fld id="{035BA897-989B-8A44-8990-3F3D35700369}" type="datetimeFigureOut">
               <a:rPr lang="en-US" smtClean="0"/>
-              <a:t>12/6/24</a:t>
+              <a:t>12/9/2024</a:t>
             </a:fld>
             <a:endParaRPr lang="en-US"/>
           </a:p>
@@ -1584,7 +1588,7 @@
           <a:p>
             <a:fld id="{035BA897-989B-8A44-8990-3F3D35700369}" type="datetimeFigureOut">
               <a:rPr lang="en-US" smtClean="0"/>
-              <a:t>12/6/24</a:t>
+              <a:t>12/9/2024</a:t>
             </a:fld>
             <a:endParaRPr lang="en-US"/>
           </a:p>
@@ -1849,7 +1853,7 @@
           <a:p>
             <a:fld id="{035BA897-989B-8A44-8990-3F3D35700369}" type="datetimeFigureOut">
               <a:rPr lang="en-US" smtClean="0"/>
-              <a:t>12/6/24</a:t>
+              <a:t>12/9/2024</a:t>
             </a:fld>
             <a:endParaRPr lang="en-US"/>
           </a:p>
@@ -2261,7 +2265,7 @@
           <a:p>
             <a:fld id="{035BA897-989B-8A44-8990-3F3D35700369}" type="datetimeFigureOut">
               <a:rPr lang="en-US" smtClean="0"/>
-              <a:t>12/6/24</a:t>
+              <a:t>12/9/2024</a:t>
             </a:fld>
             <a:endParaRPr lang="en-US"/>
           </a:p>
@@ -2402,7 +2406,7 @@
           <a:p>
             <a:fld id="{035BA897-989B-8A44-8990-3F3D35700369}" type="datetimeFigureOut">
               <a:rPr lang="en-US" smtClean="0"/>
-              <a:t>12/6/24</a:t>
+              <a:t>12/9/2024</a:t>
             </a:fld>
             <a:endParaRPr lang="en-US"/>
           </a:p>
@@ -2515,7 +2519,7 @@
           <a:p>
             <a:fld id="{035BA897-989B-8A44-8990-3F3D35700369}" type="datetimeFigureOut">
               <a:rPr lang="en-US" smtClean="0"/>
-              <a:t>12/6/24</a:t>
+              <a:t>12/9/2024</a:t>
             </a:fld>
             <a:endParaRPr lang="en-US"/>
           </a:p>
@@ -2826,7 +2830,7 @@
           <a:p>
             <a:fld id="{035BA897-989B-8A44-8990-3F3D35700369}" type="datetimeFigureOut">
               <a:rPr lang="en-US" smtClean="0"/>
-              <a:t>12/6/24</a:t>
+              <a:t>12/9/2024</a:t>
             </a:fld>
             <a:endParaRPr lang="en-US"/>
           </a:p>
@@ -3114,7 +3118,7 @@
           <a:p>
             <a:fld id="{035BA897-989B-8A44-8990-3F3D35700369}" type="datetimeFigureOut">
               <a:rPr lang="en-US" smtClean="0"/>
-              <a:t>12/6/24</a:t>
+              <a:t>12/9/2024</a:t>
             </a:fld>
             <a:endParaRPr lang="en-US"/>
           </a:p>
@@ -3355,7 +3359,7 @@
           <a:p>
             <a:fld id="{035BA897-989B-8A44-8990-3F3D35700369}" type="datetimeFigureOut">
               <a:rPr lang="en-US" smtClean="0"/>
-              <a:t>12/6/24</a:t>
+              <a:t>12/9/2024</a:t>
             </a:fld>
             <a:endParaRPr lang="en-US"/>
           </a:p>
@@ -4535,485 +4539,6 @@
           <a:chExt cx="0" cy="0"/>
         </a:xfrm>
       </p:grpSpPr>
-      <p:sp useBgFill="1">
-        <p:nvSpPr>
-          <p:cNvPr id="12" name="Rectangle 11">
-            <a:extLst>
-              <a:ext uri="{FF2B5EF4-FFF2-40B4-BE49-F238E27FC236}">
-                <a16:creationId xmlns:a16="http://schemas.microsoft.com/office/drawing/2014/main" id="{C4879EFC-8E62-4E00-973C-C45EE9EC676D}"/>
-              </a:ext>
-              <a:ext uri="{C183D7F6-B498-43B3-948B-1728B52AA6E4}">
-                <adec:decorative xmlns:adec="http://schemas.microsoft.com/office/drawing/2017/decorative" val="1"/>
-              </a:ext>
-            </a:extLst>
-          </p:cNvPr>
-          <p:cNvSpPr>
-            <a:spLocks noGrp="1" noRot="1" noChangeAspect="1" noMove="1" noResize="1" noEditPoints="1" noAdjustHandles="1" noChangeArrowheads="1" noChangeShapeType="1" noTextEdit="1"/>
-          </p:cNvSpPr>
-          <p:nvPr>
-            <p:extLst>
-              <p:ext uri="{386F3935-93C4-4BCD-93E2-E3B085C9AB24}">
-                <p16:designElem xmlns:p16="http://schemas.microsoft.com/office/powerpoint/2015/main" val="1"/>
-              </p:ext>
-            </p:extLst>
-          </p:nvPr>
-        </p:nvSpPr>
-        <p:spPr>
-          <a:xfrm>
-            <a:off x="0" y="0"/>
-            <a:ext cx="12188952" cy="6858000"/>
-          </a:xfrm>
-          <a:prstGeom prst="rect">
-            <a:avLst/>
-          </a:prstGeom>
-          <a:ln>
-            <a:noFill/>
-          </a:ln>
-        </p:spPr>
-        <p:style>
-          <a:lnRef idx="2">
-            <a:schemeClr val="accent1">
-              <a:shade val="50000"/>
-            </a:schemeClr>
-          </a:lnRef>
-          <a:fillRef idx="1">
-            <a:schemeClr val="accent1"/>
-          </a:fillRef>
-          <a:effectRef idx="0">
-            <a:schemeClr val="accent1"/>
-          </a:effectRef>
-          <a:fontRef idx="minor">
-            <a:schemeClr val="lt1"/>
-          </a:fontRef>
-        </p:style>
-        <p:txBody>
-          <a:bodyPr rtlCol="0" anchor="ctr"/>
-          <a:lstStyle/>
-          <a:p>
-            <a:pPr algn="ctr"/>
-            <a:endParaRPr lang="en-US"/>
-          </a:p>
-        </p:txBody>
-      </p:sp>
-      <p:sp>
-        <p:nvSpPr>
-          <p:cNvPr id="2" name="Title 1">
-            <a:extLst>
-              <a:ext uri="{FF2B5EF4-FFF2-40B4-BE49-F238E27FC236}">
-                <a16:creationId xmlns:a16="http://schemas.microsoft.com/office/drawing/2014/main" id="{A628B3BC-0BA5-BE30-CACF-22D1FD5C0557}"/>
-              </a:ext>
-            </a:extLst>
-          </p:cNvPr>
-          <p:cNvSpPr>
-            <a:spLocks noGrp="1"/>
-          </p:cNvSpPr>
-          <p:nvPr>
-            <p:ph type="title"/>
-          </p:nvPr>
-        </p:nvSpPr>
-        <p:spPr>
-          <a:xfrm>
-            <a:off x="638881" y="457200"/>
-            <a:ext cx="10909640" cy="1368614"/>
-          </a:xfrm>
-        </p:spPr>
-        <p:txBody>
-          <a:bodyPr vert="horz" lIns="91440" tIns="45720" rIns="91440" bIns="45720" rtlCol="0" anchor="ctr">
-            <a:normAutofit/>
-          </a:bodyPr>
-          <a:lstStyle/>
-          <a:p>
-            <a:pPr algn="ctr"/>
-            <a:r>
-              <a:rPr lang="en-US" sz="6600" dirty="0"/>
-              <a:t>Hex Conversions</a:t>
-            </a:r>
-          </a:p>
-        </p:txBody>
-      </p:sp>
-      <p:sp>
-        <p:nvSpPr>
-          <p:cNvPr id="14" name="sketch line">
-            <a:extLst>
-              <a:ext uri="{FF2B5EF4-FFF2-40B4-BE49-F238E27FC236}">
-                <a16:creationId xmlns:a16="http://schemas.microsoft.com/office/drawing/2014/main" id="{D6A9C53F-5F90-40A5-8C85-5412D39C8C68}"/>
-              </a:ext>
-              <a:ext uri="{C183D7F6-B498-43B3-948B-1728B52AA6E4}">
-                <adec:decorative xmlns:adec="http://schemas.microsoft.com/office/drawing/2017/decorative" val="1"/>
-              </a:ext>
-            </a:extLst>
-          </p:cNvPr>
-          <p:cNvSpPr>
-            <a:spLocks noGrp="1" noRot="1" noChangeAspect="1" noMove="1" noResize="1" noEditPoints="1" noAdjustHandles="1" noChangeArrowheads="1" noChangeShapeType="1" noTextEdit="1"/>
-          </p:cNvSpPr>
-          <p:nvPr>
-            <p:extLst>
-              <p:ext uri="{386F3935-93C4-4BCD-93E2-E3B085C9AB24}">
-                <p16:designElem xmlns:p16="http://schemas.microsoft.com/office/powerpoint/2015/main" val="1"/>
-              </p:ext>
-            </p:extLst>
-          </p:nvPr>
-        </p:nvSpPr>
-        <p:spPr>
-          <a:xfrm>
-            <a:off x="4450080" y="1850683"/>
-            <a:ext cx="3291840" cy="18288"/>
-          </a:xfrm>
-          <a:custGeom>
-            <a:avLst/>
-            <a:gdLst>
-              <a:gd name="connsiteX0" fmla="*/ 0 w 3291840"/>
-              <a:gd name="connsiteY0" fmla="*/ 0 h 18288"/>
-              <a:gd name="connsiteX1" fmla="*/ 658368 w 3291840"/>
-              <a:gd name="connsiteY1" fmla="*/ 0 h 18288"/>
-              <a:gd name="connsiteX2" fmla="*/ 1283818 w 3291840"/>
-              <a:gd name="connsiteY2" fmla="*/ 0 h 18288"/>
-              <a:gd name="connsiteX3" fmla="*/ 1909267 w 3291840"/>
-              <a:gd name="connsiteY3" fmla="*/ 0 h 18288"/>
-              <a:gd name="connsiteX4" fmla="*/ 2633472 w 3291840"/>
-              <a:gd name="connsiteY4" fmla="*/ 0 h 18288"/>
-              <a:gd name="connsiteX5" fmla="*/ 3291840 w 3291840"/>
-              <a:gd name="connsiteY5" fmla="*/ 0 h 18288"/>
-              <a:gd name="connsiteX6" fmla="*/ 3291840 w 3291840"/>
-              <a:gd name="connsiteY6" fmla="*/ 18288 h 18288"/>
-              <a:gd name="connsiteX7" fmla="*/ 2633472 w 3291840"/>
-              <a:gd name="connsiteY7" fmla="*/ 18288 h 18288"/>
-              <a:gd name="connsiteX8" fmla="*/ 2073859 w 3291840"/>
-              <a:gd name="connsiteY8" fmla="*/ 18288 h 18288"/>
-              <a:gd name="connsiteX9" fmla="*/ 1448410 w 3291840"/>
-              <a:gd name="connsiteY9" fmla="*/ 18288 h 18288"/>
-              <a:gd name="connsiteX10" fmla="*/ 822960 w 3291840"/>
-              <a:gd name="connsiteY10" fmla="*/ 18288 h 18288"/>
-              <a:gd name="connsiteX11" fmla="*/ 0 w 3291840"/>
-              <a:gd name="connsiteY11" fmla="*/ 18288 h 18288"/>
-              <a:gd name="connsiteX12" fmla="*/ 0 w 3291840"/>
-              <a:gd name="connsiteY12" fmla="*/ 0 h 18288"/>
-            </a:gdLst>
-            <a:ahLst/>
-            <a:cxnLst>
-              <a:cxn ang="0">
-                <a:pos x="connsiteX0" y="connsiteY0"/>
-              </a:cxn>
-              <a:cxn ang="0">
-                <a:pos x="connsiteX1" y="connsiteY1"/>
-              </a:cxn>
-              <a:cxn ang="0">
-                <a:pos x="connsiteX2" y="connsiteY2"/>
-              </a:cxn>
-              <a:cxn ang="0">
-                <a:pos x="connsiteX3" y="connsiteY3"/>
-              </a:cxn>
-              <a:cxn ang="0">
-                <a:pos x="connsiteX4" y="connsiteY4"/>
-              </a:cxn>
-              <a:cxn ang="0">
-                <a:pos x="connsiteX5" y="connsiteY5"/>
-              </a:cxn>
-              <a:cxn ang="0">
-                <a:pos x="connsiteX6" y="connsiteY6"/>
-              </a:cxn>
-              <a:cxn ang="0">
-                <a:pos x="connsiteX7" y="connsiteY7"/>
-              </a:cxn>
-              <a:cxn ang="0">
-                <a:pos x="connsiteX8" y="connsiteY8"/>
-              </a:cxn>
-              <a:cxn ang="0">
-                <a:pos x="connsiteX9" y="connsiteY9"/>
-              </a:cxn>
-              <a:cxn ang="0">
-                <a:pos x="connsiteX10" y="connsiteY10"/>
-              </a:cxn>
-              <a:cxn ang="0">
-                <a:pos x="connsiteX11" y="connsiteY11"/>
-              </a:cxn>
-              <a:cxn ang="0">
-                <a:pos x="connsiteX12" y="connsiteY12"/>
-              </a:cxn>
-            </a:cxnLst>
-            <a:rect l="l" t="t" r="r" b="b"/>
-            <a:pathLst>
-              <a:path w="3291840" h="18288" fill="none" extrusionOk="0">
-                <a:moveTo>
-                  <a:pt x="0" y="0"/>
-                </a:moveTo>
-                <a:cubicBezTo>
-                  <a:pt x="173077" y="-20031"/>
-                  <a:pt x="443104" y="6424"/>
-                  <a:pt x="658368" y="0"/>
-                </a:cubicBezTo>
-                <a:cubicBezTo>
-                  <a:pt x="873632" y="-6424"/>
-                  <a:pt x="1034028" y="11764"/>
-                  <a:pt x="1283818" y="0"/>
-                </a:cubicBezTo>
-                <a:cubicBezTo>
-                  <a:pt x="1533608" y="-11764"/>
-                  <a:pt x="1691227" y="-30112"/>
-                  <a:pt x="1909267" y="0"/>
-                </a:cubicBezTo>
-                <a:cubicBezTo>
-                  <a:pt x="2127307" y="30112"/>
-                  <a:pt x="2272465" y="-18735"/>
-                  <a:pt x="2633472" y="0"/>
-                </a:cubicBezTo>
-                <a:cubicBezTo>
-                  <a:pt x="2994479" y="18735"/>
-                  <a:pt x="3023324" y="-32030"/>
-                  <a:pt x="3291840" y="0"/>
-                </a:cubicBezTo>
-                <a:cubicBezTo>
-                  <a:pt x="3291406" y="7551"/>
-                  <a:pt x="3291373" y="9822"/>
-                  <a:pt x="3291840" y="18288"/>
-                </a:cubicBezTo>
-                <a:cubicBezTo>
-                  <a:pt x="3048445" y="38989"/>
-                  <a:pt x="2846548" y="-14400"/>
-                  <a:pt x="2633472" y="18288"/>
-                </a:cubicBezTo>
-                <a:cubicBezTo>
-                  <a:pt x="2420396" y="50976"/>
-                  <a:pt x="2304099" y="6336"/>
-                  <a:pt x="2073859" y="18288"/>
-                </a:cubicBezTo>
-                <a:cubicBezTo>
-                  <a:pt x="1843619" y="30240"/>
-                  <a:pt x="1706926" y="10778"/>
-                  <a:pt x="1448410" y="18288"/>
-                </a:cubicBezTo>
-                <a:cubicBezTo>
-                  <a:pt x="1189894" y="25798"/>
-                  <a:pt x="1002278" y="8992"/>
-                  <a:pt x="822960" y="18288"/>
-                </a:cubicBezTo>
-                <a:cubicBezTo>
-                  <a:pt x="643642" y="27585"/>
-                  <a:pt x="307039" y="38051"/>
-                  <a:pt x="0" y="18288"/>
-                </a:cubicBezTo>
-                <a:cubicBezTo>
-                  <a:pt x="60" y="11696"/>
-                  <a:pt x="66" y="3758"/>
-                  <a:pt x="0" y="0"/>
-                </a:cubicBezTo>
-                <a:close/>
-              </a:path>
-              <a:path w="3291840" h="18288" stroke="0" extrusionOk="0">
-                <a:moveTo>
-                  <a:pt x="0" y="0"/>
-                </a:moveTo>
-                <a:cubicBezTo>
-                  <a:pt x="195850" y="28018"/>
-                  <a:pt x="434891" y="17390"/>
-                  <a:pt x="592531" y="0"/>
-                </a:cubicBezTo>
-                <a:cubicBezTo>
-                  <a:pt x="750171" y="-17390"/>
-                  <a:pt x="1018709" y="32200"/>
-                  <a:pt x="1316736" y="0"/>
-                </a:cubicBezTo>
-                <a:cubicBezTo>
-                  <a:pt x="1614763" y="-32200"/>
-                  <a:pt x="1696480" y="-11367"/>
-                  <a:pt x="1876349" y="0"/>
-                </a:cubicBezTo>
-                <a:cubicBezTo>
-                  <a:pt x="2056218" y="11367"/>
-                  <a:pt x="2193364" y="13433"/>
-                  <a:pt x="2435962" y="0"/>
-                </a:cubicBezTo>
-                <a:cubicBezTo>
-                  <a:pt x="2678560" y="-13433"/>
-                  <a:pt x="3010901" y="-42367"/>
-                  <a:pt x="3291840" y="0"/>
-                </a:cubicBezTo>
-                <a:cubicBezTo>
-                  <a:pt x="3291758" y="4406"/>
-                  <a:pt x="3291751" y="9982"/>
-                  <a:pt x="3291840" y="18288"/>
-                </a:cubicBezTo>
-                <a:cubicBezTo>
-                  <a:pt x="3108993" y="14228"/>
-                  <a:pt x="2952658" y="46900"/>
-                  <a:pt x="2666390" y="18288"/>
-                </a:cubicBezTo>
-                <a:cubicBezTo>
-                  <a:pt x="2380122" y="-10324"/>
-                  <a:pt x="2263855" y="41055"/>
-                  <a:pt x="2040941" y="18288"/>
-                </a:cubicBezTo>
-                <a:cubicBezTo>
-                  <a:pt x="1818027" y="-4479"/>
-                  <a:pt x="1675097" y="6509"/>
-                  <a:pt x="1415491" y="18288"/>
-                </a:cubicBezTo>
-                <a:cubicBezTo>
-                  <a:pt x="1155885" y="30068"/>
-                  <a:pt x="852976" y="36210"/>
-                  <a:pt x="691286" y="18288"/>
-                </a:cubicBezTo>
-                <a:cubicBezTo>
-                  <a:pt x="529596" y="366"/>
-                  <a:pt x="187183" y="13912"/>
-                  <a:pt x="0" y="18288"/>
-                </a:cubicBezTo>
-                <a:cubicBezTo>
-                  <a:pt x="189" y="14288"/>
-                  <a:pt x="-703" y="3747"/>
-                  <a:pt x="0" y="0"/>
-                </a:cubicBezTo>
-                <a:close/>
-              </a:path>
-            </a:pathLst>
-          </a:custGeom>
-          <a:solidFill>
-            <a:schemeClr val="accent2"/>
-          </a:solidFill>
-          <a:ln w="41275" cap="rnd">
-            <a:solidFill>
-              <a:schemeClr val="accent2"/>
-            </a:solidFill>
-            <a:round/>
-            <a:extLst>
-              <a:ext uri="{C807C97D-BFC1-408E-A445-0C87EB9F89A2}">
-                <ask:lineSketchStyleProps xmlns:ask="http://schemas.microsoft.com/office/drawing/2018/sketchyshapes" sd="2863741219">
-                  <a:prstGeom prst="rect">
-                    <a:avLst/>
-                  </a:prstGeom>
-                  <ask:type>
-                    <ask:lineSketchFreehand/>
-                  </ask:type>
-                </ask:lineSketchStyleProps>
-              </a:ext>
-            </a:extLst>
-          </a:ln>
-        </p:spPr>
-        <p:style>
-          <a:lnRef idx="2">
-            <a:schemeClr val="accent1">
-              <a:shade val="50000"/>
-            </a:schemeClr>
-          </a:lnRef>
-          <a:fillRef idx="1">
-            <a:schemeClr val="accent1"/>
-          </a:fillRef>
-          <a:effectRef idx="0">
-            <a:schemeClr val="accent1"/>
-          </a:effectRef>
-          <a:fontRef idx="minor">
-            <a:schemeClr val="lt1"/>
-          </a:fontRef>
-        </p:style>
-        <p:txBody>
-          <a:bodyPr rtlCol="0" anchor="ctr"/>
-          <a:lstStyle/>
-          <a:p>
-            <a:pPr algn="ctr"/>
-            <a:endParaRPr lang="en-US"/>
-          </a:p>
-        </p:txBody>
-      </p:sp>
-      <p:pic>
-        <p:nvPicPr>
-          <p:cNvPr id="5" name="Content Placeholder 4" descr="A table of text with numbers&#10;&#10;Description automatically generated with medium confidence">
-            <a:extLst>
-              <a:ext uri="{FF2B5EF4-FFF2-40B4-BE49-F238E27FC236}">
-                <a16:creationId xmlns:a16="http://schemas.microsoft.com/office/drawing/2014/main" id="{6ECB1D90-91B6-2803-1775-70416E875DEF}"/>
-              </a:ext>
-            </a:extLst>
-          </p:cNvPr>
-          <p:cNvPicPr>
-            <a:picLocks noGrp="1" noChangeAspect="1"/>
-          </p:cNvPicPr>
-          <p:nvPr>
-            <p:ph idx="1"/>
-          </p:nvPr>
-        </p:nvPicPr>
-        <p:blipFill>
-          <a:blip r:embed="rId2"/>
-          <a:stretch>
-            <a:fillRect/>
-          </a:stretch>
-        </p:blipFill>
-        <p:spPr>
-          <a:xfrm>
-            <a:off x="657533" y="2642616"/>
-            <a:ext cx="4939430" cy="3605784"/>
-          </a:xfrm>
-          <a:prstGeom prst="rect">
-            <a:avLst/>
-          </a:prstGeom>
-        </p:spPr>
-      </p:pic>
-      <p:pic>
-        <p:nvPicPr>
-          <p:cNvPr id="7" name="Picture 6" descr="A screenshot of a computer&#10;&#10;Description automatically generated">
-            <a:extLst>
-              <a:ext uri="{FF2B5EF4-FFF2-40B4-BE49-F238E27FC236}">
-                <a16:creationId xmlns:a16="http://schemas.microsoft.com/office/drawing/2014/main" id="{8F31D5DA-DC63-9979-694E-CC3D5476315D}"/>
-              </a:ext>
-            </a:extLst>
-          </p:cNvPr>
-          <p:cNvPicPr>
-            <a:picLocks noChangeAspect="1"/>
-          </p:cNvPicPr>
-          <p:nvPr/>
-        </p:nvPicPr>
-        <p:blipFill>
-          <a:blip r:embed="rId3"/>
-          <a:stretch>
-            <a:fillRect/>
-          </a:stretch>
-        </p:blipFill>
-        <p:spPr>
-          <a:xfrm>
-            <a:off x="6254496" y="2950670"/>
-            <a:ext cx="5614416" cy="2989676"/>
-          </a:xfrm>
-          <a:prstGeom prst="rect">
-            <a:avLst/>
-          </a:prstGeom>
-        </p:spPr>
-      </p:pic>
-    </p:spTree>
-    <p:extLst>
-      <p:ext uri="{BB962C8B-B14F-4D97-AF65-F5344CB8AC3E}">
-        <p14:creationId xmlns:p14="http://schemas.microsoft.com/office/powerpoint/2010/main" val="153149114"/>
-      </p:ext>
-    </p:extLst>
-  </p:cSld>
-  <p:clrMapOvr>
-    <a:masterClrMapping/>
-  </p:clrMapOvr>
-</p:sld>
-</file>
-
-<file path=ppt/slides/slide11.xml><?xml version="1.0" encoding="utf-8"?>
-<p:sld xmlns:a="http://schemas.openxmlformats.org/drawingml/2006/main" xmlns:r="http://schemas.openxmlformats.org/officeDocument/2006/relationships" xmlns:p="http://schemas.openxmlformats.org/presentationml/2006/main">
-  <p:cSld>
-    <p:bg>
-      <p:bgPr>
-        <a:solidFill>
-          <a:schemeClr val="bg1"/>
-        </a:solidFill>
-        <a:effectLst/>
-      </p:bgPr>
-    </p:bg>
-    <p:spTree>
-      <p:nvGrpSpPr>
-        <p:cNvPr id="1" name=""/>
-        <p:cNvGrpSpPr/>
-        <p:nvPr/>
-      </p:nvGrpSpPr>
-      <p:grpSpPr>
-        <a:xfrm>
-          <a:off x="0" y="0"/>
-          <a:ext cx="0" cy="0"/>
-          <a:chOff x="0" y="0"/>
-          <a:chExt cx="0" cy="0"/>
-        </a:xfrm>
-      </p:grpSpPr>
       <p:sp>
         <p:nvSpPr>
           <p:cNvPr id="11" name="Rectangle 10">
@@ -6232,7 +5757,7 @@
 </p:sld>
 </file>
 
-<file path=ppt/slides/slide12.xml><?xml version="1.0" encoding="utf-8"?>
+<file path=ppt/slides/slide11.xml><?xml version="1.0" encoding="utf-8"?>
 <p:sld xmlns:a="http://schemas.openxmlformats.org/drawingml/2006/main" xmlns:r="http://schemas.openxmlformats.org/officeDocument/2006/relationships" xmlns:p="http://schemas.openxmlformats.org/presentationml/2006/main">
   <p:cSld>
     <p:bg>
@@ -7211,7 +6736,7 @@
 </p:sld>
 </file>
 
-<file path=ppt/slides/slide13.xml><?xml version="1.0" encoding="utf-8"?>
+<file path=ppt/slides/slide12.xml><?xml version="1.0" encoding="utf-8"?>
 <p:sld xmlns:a="http://schemas.openxmlformats.org/drawingml/2006/main" xmlns:r="http://schemas.openxmlformats.org/officeDocument/2006/relationships" xmlns:p="http://schemas.openxmlformats.org/presentationml/2006/main">
   <p:cSld>
     <p:bg>
@@ -8032,7 +7557,7 @@
 </p:sld>
 </file>
 
-<file path=ppt/slides/slide14.xml><?xml version="1.0" encoding="utf-8"?>
+<file path=ppt/slides/slide13.xml><?xml version="1.0" encoding="utf-8"?>
 <p:sld xmlns:a="http://schemas.openxmlformats.org/drawingml/2006/main" xmlns:r="http://schemas.openxmlformats.org/officeDocument/2006/relationships" xmlns:p="http://schemas.openxmlformats.org/presentationml/2006/main">
   <p:cSld>
     <p:bg>
@@ -8617,7 +8142,7 @@
 </p:sld>
 </file>
 
-<file path=ppt/slides/slide15.xml><?xml version="1.0" encoding="utf-8"?>
+<file path=ppt/slides/slide14.xml><?xml version="1.0" encoding="utf-8"?>
 <p:sld xmlns:a="http://schemas.openxmlformats.org/drawingml/2006/main" xmlns:r="http://schemas.openxmlformats.org/officeDocument/2006/relationships" xmlns:p="http://schemas.openxmlformats.org/presentationml/2006/main">
   <p:cSld>
     <p:bg>
@@ -9163,7 +8688,7 @@
 </p:sld>
 </file>
 
-<file path=ppt/slides/slide16.xml><?xml version="1.0" encoding="utf-8"?>
+<file path=ppt/slides/slide15.xml><?xml version="1.0" encoding="utf-8"?>
 <p:sld xmlns:a="http://schemas.openxmlformats.org/drawingml/2006/main" xmlns:r="http://schemas.openxmlformats.org/officeDocument/2006/relationships" xmlns:p="http://schemas.openxmlformats.org/presentationml/2006/main">
   <p:cSld>
     <p:bg>
@@ -11115,7 +10640,7 @@
         </p:blipFill>
         <p:spPr>
           <a:xfrm>
-            <a:off x="2754404" y="1675227"/>
+            <a:off x="2562380" y="1720947"/>
             <a:ext cx="6683192" cy="4394199"/>
           </a:xfrm>
           <a:prstGeom prst="rect">
@@ -11137,254 +10662,6 @@
 </file>
 
 <file path=ppt/slides/slide7.xml><?xml version="1.0" encoding="utf-8"?>
-<p:sld xmlns:a="http://schemas.openxmlformats.org/drawingml/2006/main" xmlns:r="http://schemas.openxmlformats.org/officeDocument/2006/relationships" xmlns:p="http://schemas.openxmlformats.org/presentationml/2006/main">
-  <p:cSld>
-    <p:spTree>
-      <p:nvGrpSpPr>
-        <p:cNvPr id="1" name="">
-          <a:extLst>
-            <a:ext uri="{FF2B5EF4-FFF2-40B4-BE49-F238E27FC236}">
-              <a16:creationId xmlns:a16="http://schemas.microsoft.com/office/drawing/2014/main" id="{5F45EAEB-7438-AA41-FA3B-CAEC4EB4F79F}"/>
-            </a:ext>
-          </a:extLst>
-        </p:cNvPr>
-        <p:cNvGrpSpPr/>
-        <p:nvPr/>
-      </p:nvGrpSpPr>
-      <p:grpSpPr>
-        <a:xfrm>
-          <a:off x="0" y="0"/>
-          <a:ext cx="0" cy="0"/>
-          <a:chOff x="0" y="0"/>
-          <a:chExt cx="0" cy="0"/>
-        </a:xfrm>
-      </p:grpSpPr>
-      <p:sp>
-        <p:nvSpPr>
-          <p:cNvPr id="2" name="Title 1">
-            <a:extLst>
-              <a:ext uri="{FF2B5EF4-FFF2-40B4-BE49-F238E27FC236}">
-                <a16:creationId xmlns:a16="http://schemas.microsoft.com/office/drawing/2014/main" id="{CC96148F-9947-2FBE-BA61-EEC5877A0B20}"/>
-              </a:ext>
-            </a:extLst>
-          </p:cNvPr>
-          <p:cNvSpPr>
-            <a:spLocks noGrp="1"/>
-          </p:cNvSpPr>
-          <p:nvPr>
-            <p:ph type="title"/>
-          </p:nvPr>
-        </p:nvSpPr>
-        <p:spPr/>
-        <p:txBody>
-          <a:bodyPr/>
-          <a:lstStyle/>
-          <a:p>
-            <a:r>
-              <a:rPr lang="en-US" dirty="0"/>
-              <a:t>HID Formatting</a:t>
-            </a:r>
-          </a:p>
-        </p:txBody>
-      </p:sp>
-      <p:pic>
-        <p:nvPicPr>
-          <p:cNvPr id="5" name="Content Placeholder 4" descr="A diagram of a device&#10;&#10;Description automatically generated">
-            <a:extLst>
-              <a:ext uri="{FF2B5EF4-FFF2-40B4-BE49-F238E27FC236}">
-                <a16:creationId xmlns:a16="http://schemas.microsoft.com/office/drawing/2014/main" id="{5C7E3785-A3AC-80CD-3994-DFDA72F18E44}"/>
-              </a:ext>
-            </a:extLst>
-          </p:cNvPr>
-          <p:cNvPicPr>
-            <a:picLocks noGrp="1" noChangeAspect="1"/>
-          </p:cNvPicPr>
-          <p:nvPr>
-            <p:ph idx="1"/>
-          </p:nvPr>
-        </p:nvPicPr>
-        <p:blipFill>
-          <a:blip r:embed="rId2">
-            <a:extLst>
-              <a:ext uri="{28A0092B-C50C-407E-A947-70E740481C1C}">
-                <a14:useLocalDpi xmlns:a14="http://schemas.microsoft.com/office/drawing/2010/main"/>
-              </a:ext>
-            </a:extLst>
-          </a:blip>
-          <a:srcRect/>
-          <a:stretch/>
-        </p:blipFill>
-        <p:spPr>
-          <a:xfrm>
-            <a:off x="3583192" y="1923067"/>
-            <a:ext cx="5025615" cy="4253895"/>
-          </a:xfrm>
-        </p:spPr>
-      </p:pic>
-      <p:pic>
-        <p:nvPicPr>
-          <p:cNvPr id="9" name="Picture 8" descr="A screenshot of a computer error&#10;&#10;Description automatically generated">
-            <a:extLst>
-              <a:ext uri="{FF2B5EF4-FFF2-40B4-BE49-F238E27FC236}">
-                <a16:creationId xmlns:a16="http://schemas.microsoft.com/office/drawing/2014/main" id="{4E21A292-7856-91DE-50B3-317B760DE8C2}"/>
-              </a:ext>
-            </a:extLst>
-          </p:cNvPr>
-          <p:cNvPicPr>
-            <a:picLocks noChangeAspect="1"/>
-          </p:cNvPicPr>
-          <p:nvPr/>
-        </p:nvPicPr>
-        <p:blipFill>
-          <a:blip r:embed="rId3"/>
-          <a:stretch>
-            <a:fillRect/>
-          </a:stretch>
-        </p:blipFill>
-        <p:spPr>
-          <a:xfrm>
-            <a:off x="1889110" y="2692736"/>
-            <a:ext cx="7772400" cy="2773756"/>
-          </a:xfrm>
-          <a:prstGeom prst="rect">
-            <a:avLst/>
-          </a:prstGeom>
-        </p:spPr>
-      </p:pic>
-      <p:pic>
-        <p:nvPicPr>
-          <p:cNvPr id="11" name="Picture 10" descr="A screenshot of a computer&#10;&#10;Description automatically generated">
-            <a:extLst>
-              <a:ext uri="{FF2B5EF4-FFF2-40B4-BE49-F238E27FC236}">
-                <a16:creationId xmlns:a16="http://schemas.microsoft.com/office/drawing/2014/main" id="{1DB20DAE-8088-4238-97FA-340185A8CD12}"/>
-              </a:ext>
-            </a:extLst>
-          </p:cNvPr>
-          <p:cNvPicPr>
-            <a:picLocks noChangeAspect="1"/>
-          </p:cNvPicPr>
-          <p:nvPr/>
-        </p:nvPicPr>
-        <p:blipFill>
-          <a:blip r:embed="rId4"/>
-          <a:stretch>
-            <a:fillRect/>
-          </a:stretch>
-        </p:blipFill>
-        <p:spPr>
-          <a:xfrm>
-            <a:off x="2530490" y="1690688"/>
-            <a:ext cx="7772400" cy="4269921"/>
-          </a:xfrm>
-          <a:prstGeom prst="rect">
-            <a:avLst/>
-          </a:prstGeom>
-        </p:spPr>
-      </p:pic>
-      <p:pic>
-        <p:nvPicPr>
-          <p:cNvPr id="13" name="Picture 12" descr="A screenshot of a computer program&#10;&#10;Description automatically generated">
-            <a:extLst>
-              <a:ext uri="{FF2B5EF4-FFF2-40B4-BE49-F238E27FC236}">
-                <a16:creationId xmlns:a16="http://schemas.microsoft.com/office/drawing/2014/main" id="{78B63DC6-3B42-FF73-66F8-F1A54F3EAD6D}"/>
-              </a:ext>
-            </a:extLst>
-          </p:cNvPr>
-          <p:cNvPicPr>
-            <a:picLocks noChangeAspect="1"/>
-          </p:cNvPicPr>
-          <p:nvPr/>
-        </p:nvPicPr>
-        <p:blipFill>
-          <a:blip r:embed="rId5"/>
-          <a:stretch>
-            <a:fillRect/>
-          </a:stretch>
-        </p:blipFill>
-        <p:spPr>
-          <a:xfrm>
-            <a:off x="2530490" y="1075822"/>
-            <a:ext cx="7772400" cy="5101140"/>
-          </a:xfrm>
-          <a:prstGeom prst="rect">
-            <a:avLst/>
-          </a:prstGeom>
-        </p:spPr>
-      </p:pic>
-      <p:pic>
-        <p:nvPicPr>
-          <p:cNvPr id="15" name="Picture 14" descr="A screenshot of a computer error&#10;&#10;Description automatically generated">
-            <a:extLst>
-              <a:ext uri="{FF2B5EF4-FFF2-40B4-BE49-F238E27FC236}">
-                <a16:creationId xmlns:a16="http://schemas.microsoft.com/office/drawing/2014/main" id="{D0AE6EA8-DADD-751F-DE83-6E04EF41DC6C}"/>
-              </a:ext>
-            </a:extLst>
-          </p:cNvPr>
-          <p:cNvPicPr>
-            <a:picLocks noChangeAspect="1"/>
-          </p:cNvPicPr>
-          <p:nvPr/>
-        </p:nvPicPr>
-        <p:blipFill>
-          <a:blip r:embed="rId6"/>
-          <a:stretch>
-            <a:fillRect/>
-          </a:stretch>
-        </p:blipFill>
-        <p:spPr>
-          <a:xfrm>
-            <a:off x="2410054" y="2538420"/>
-            <a:ext cx="7772400" cy="2819895"/>
-          </a:xfrm>
-          <a:prstGeom prst="rect">
-            <a:avLst/>
-          </a:prstGeom>
-        </p:spPr>
-      </p:pic>
-      <p:pic>
-        <p:nvPicPr>
-          <p:cNvPr id="17" name="Picture 16" descr="A computer screen shot of a computer program&#10;&#10;Description automatically generated">
-            <a:extLst>
-              <a:ext uri="{FF2B5EF4-FFF2-40B4-BE49-F238E27FC236}">
-                <a16:creationId xmlns:a16="http://schemas.microsoft.com/office/drawing/2014/main" id="{F6CB5B62-7EF0-19F2-C53B-E5B7BCC1B5B2}"/>
-              </a:ext>
-            </a:extLst>
-          </p:cNvPr>
-          <p:cNvPicPr>
-            <a:picLocks noChangeAspect="1"/>
-          </p:cNvPicPr>
-          <p:nvPr/>
-        </p:nvPicPr>
-        <p:blipFill>
-          <a:blip r:embed="rId7"/>
-          <a:stretch>
-            <a:fillRect/>
-          </a:stretch>
-        </p:blipFill>
-        <p:spPr>
-          <a:xfrm>
-            <a:off x="2009546" y="1910266"/>
-            <a:ext cx="7772400" cy="3752193"/>
-          </a:xfrm>
-          <a:prstGeom prst="rect">
-            <a:avLst/>
-          </a:prstGeom>
-        </p:spPr>
-      </p:pic>
-    </p:spTree>
-    <p:extLst>
-      <p:ext uri="{BB962C8B-B14F-4D97-AF65-F5344CB8AC3E}">
-        <p14:creationId xmlns:p14="http://schemas.microsoft.com/office/powerpoint/2010/main" val="436593761"/>
-      </p:ext>
-    </p:extLst>
-  </p:cSld>
-  <p:clrMapOvr>
-    <a:masterClrMapping/>
-  </p:clrMapOvr>
-</p:sld>
-</file>
-
-<file path=ppt/slides/slide8.xml><?xml version="1.0" encoding="utf-8"?>
 <p:sld xmlns:a="http://schemas.openxmlformats.org/drawingml/2006/main" xmlns:r="http://schemas.openxmlformats.org/officeDocument/2006/relationships" xmlns:p="http://schemas.openxmlformats.org/presentationml/2006/main">
   <p:cSld>
     <p:bg>
@@ -11564,7 +10841,7 @@
 </p:sld>
 </file>
 
-<file path=ppt/slides/slide9.xml><?xml version="1.0" encoding="utf-8"?>
+<file path=ppt/slides/slide8.xml><?xml version="1.0" encoding="utf-8"?>
 <p:sld xmlns:a="http://schemas.openxmlformats.org/drawingml/2006/main" xmlns:r="http://schemas.openxmlformats.org/officeDocument/2006/relationships" xmlns:p="http://schemas.openxmlformats.org/presentationml/2006/main">
   <p:cSld>
     <p:bg>
@@ -12506,6 +11783,485 @@
     <p:extLst>
       <p:ext uri="{BB962C8B-B14F-4D97-AF65-F5344CB8AC3E}">
         <p14:creationId xmlns:p14="http://schemas.microsoft.com/office/powerpoint/2010/main" val="1759720448"/>
+      </p:ext>
+    </p:extLst>
+  </p:cSld>
+  <p:clrMapOvr>
+    <a:masterClrMapping/>
+  </p:clrMapOvr>
+</p:sld>
+</file>
+
+<file path=ppt/slides/slide9.xml><?xml version="1.0" encoding="utf-8"?>
+<p:sld xmlns:a="http://schemas.openxmlformats.org/drawingml/2006/main" xmlns:r="http://schemas.openxmlformats.org/officeDocument/2006/relationships" xmlns:p="http://schemas.openxmlformats.org/presentationml/2006/main">
+  <p:cSld>
+    <p:bg>
+      <p:bgPr>
+        <a:solidFill>
+          <a:schemeClr val="bg1"/>
+        </a:solidFill>
+        <a:effectLst/>
+      </p:bgPr>
+    </p:bg>
+    <p:spTree>
+      <p:nvGrpSpPr>
+        <p:cNvPr id="1" name=""/>
+        <p:cNvGrpSpPr/>
+        <p:nvPr/>
+      </p:nvGrpSpPr>
+      <p:grpSpPr>
+        <a:xfrm>
+          <a:off x="0" y="0"/>
+          <a:ext cx="0" cy="0"/>
+          <a:chOff x="0" y="0"/>
+          <a:chExt cx="0" cy="0"/>
+        </a:xfrm>
+      </p:grpSpPr>
+      <p:sp useBgFill="1">
+        <p:nvSpPr>
+          <p:cNvPr id="12" name="Rectangle 11">
+            <a:extLst>
+              <a:ext uri="{FF2B5EF4-FFF2-40B4-BE49-F238E27FC236}">
+                <a16:creationId xmlns:a16="http://schemas.microsoft.com/office/drawing/2014/main" id="{C4879EFC-8E62-4E00-973C-C45EE9EC676D}"/>
+              </a:ext>
+              <a:ext uri="{C183D7F6-B498-43B3-948B-1728B52AA6E4}">
+                <adec:decorative xmlns:adec="http://schemas.microsoft.com/office/drawing/2017/decorative" val="1"/>
+              </a:ext>
+            </a:extLst>
+          </p:cNvPr>
+          <p:cNvSpPr>
+            <a:spLocks noGrp="1" noRot="1" noChangeAspect="1" noMove="1" noResize="1" noEditPoints="1" noAdjustHandles="1" noChangeArrowheads="1" noChangeShapeType="1" noTextEdit="1"/>
+          </p:cNvSpPr>
+          <p:nvPr>
+            <p:extLst>
+              <p:ext uri="{386F3935-93C4-4BCD-93E2-E3B085C9AB24}">
+                <p16:designElem xmlns:p16="http://schemas.microsoft.com/office/powerpoint/2015/main" val="1"/>
+              </p:ext>
+            </p:extLst>
+          </p:nvPr>
+        </p:nvSpPr>
+        <p:spPr>
+          <a:xfrm>
+            <a:off x="0" y="0"/>
+            <a:ext cx="12188952" cy="6858000"/>
+          </a:xfrm>
+          <a:prstGeom prst="rect">
+            <a:avLst/>
+          </a:prstGeom>
+          <a:ln>
+            <a:noFill/>
+          </a:ln>
+        </p:spPr>
+        <p:style>
+          <a:lnRef idx="2">
+            <a:schemeClr val="accent1">
+              <a:shade val="50000"/>
+            </a:schemeClr>
+          </a:lnRef>
+          <a:fillRef idx="1">
+            <a:schemeClr val="accent1"/>
+          </a:fillRef>
+          <a:effectRef idx="0">
+            <a:schemeClr val="accent1"/>
+          </a:effectRef>
+          <a:fontRef idx="minor">
+            <a:schemeClr val="lt1"/>
+          </a:fontRef>
+        </p:style>
+        <p:txBody>
+          <a:bodyPr rtlCol="0" anchor="ctr"/>
+          <a:lstStyle/>
+          <a:p>
+            <a:pPr algn="ctr"/>
+            <a:endParaRPr lang="en-US"/>
+          </a:p>
+        </p:txBody>
+      </p:sp>
+      <p:sp>
+        <p:nvSpPr>
+          <p:cNvPr id="2" name="Title 1">
+            <a:extLst>
+              <a:ext uri="{FF2B5EF4-FFF2-40B4-BE49-F238E27FC236}">
+                <a16:creationId xmlns:a16="http://schemas.microsoft.com/office/drawing/2014/main" id="{A628B3BC-0BA5-BE30-CACF-22D1FD5C0557}"/>
+              </a:ext>
+            </a:extLst>
+          </p:cNvPr>
+          <p:cNvSpPr>
+            <a:spLocks noGrp="1"/>
+          </p:cNvSpPr>
+          <p:nvPr>
+            <p:ph type="title"/>
+          </p:nvPr>
+        </p:nvSpPr>
+        <p:spPr>
+          <a:xfrm>
+            <a:off x="638881" y="457200"/>
+            <a:ext cx="10909640" cy="1368614"/>
+          </a:xfrm>
+        </p:spPr>
+        <p:txBody>
+          <a:bodyPr vert="horz" lIns="91440" tIns="45720" rIns="91440" bIns="45720" rtlCol="0" anchor="ctr">
+            <a:normAutofit/>
+          </a:bodyPr>
+          <a:lstStyle/>
+          <a:p>
+            <a:pPr algn="ctr"/>
+            <a:r>
+              <a:rPr lang="en-US" sz="6600" dirty="0"/>
+              <a:t>Hex Conversions</a:t>
+            </a:r>
+          </a:p>
+        </p:txBody>
+      </p:sp>
+      <p:sp>
+        <p:nvSpPr>
+          <p:cNvPr id="14" name="sketch line">
+            <a:extLst>
+              <a:ext uri="{FF2B5EF4-FFF2-40B4-BE49-F238E27FC236}">
+                <a16:creationId xmlns:a16="http://schemas.microsoft.com/office/drawing/2014/main" id="{D6A9C53F-5F90-40A5-8C85-5412D39C8C68}"/>
+              </a:ext>
+              <a:ext uri="{C183D7F6-B498-43B3-948B-1728B52AA6E4}">
+                <adec:decorative xmlns:adec="http://schemas.microsoft.com/office/drawing/2017/decorative" val="1"/>
+              </a:ext>
+            </a:extLst>
+          </p:cNvPr>
+          <p:cNvSpPr>
+            <a:spLocks noGrp="1" noRot="1" noChangeAspect="1" noMove="1" noResize="1" noEditPoints="1" noAdjustHandles="1" noChangeArrowheads="1" noChangeShapeType="1" noTextEdit="1"/>
+          </p:cNvSpPr>
+          <p:nvPr>
+            <p:extLst>
+              <p:ext uri="{386F3935-93C4-4BCD-93E2-E3B085C9AB24}">
+                <p16:designElem xmlns:p16="http://schemas.microsoft.com/office/powerpoint/2015/main" val="1"/>
+              </p:ext>
+            </p:extLst>
+          </p:nvPr>
+        </p:nvSpPr>
+        <p:spPr>
+          <a:xfrm>
+            <a:off x="4450080" y="1850683"/>
+            <a:ext cx="3291840" cy="18288"/>
+          </a:xfrm>
+          <a:custGeom>
+            <a:avLst/>
+            <a:gdLst>
+              <a:gd name="connsiteX0" fmla="*/ 0 w 3291840"/>
+              <a:gd name="connsiteY0" fmla="*/ 0 h 18288"/>
+              <a:gd name="connsiteX1" fmla="*/ 658368 w 3291840"/>
+              <a:gd name="connsiteY1" fmla="*/ 0 h 18288"/>
+              <a:gd name="connsiteX2" fmla="*/ 1283818 w 3291840"/>
+              <a:gd name="connsiteY2" fmla="*/ 0 h 18288"/>
+              <a:gd name="connsiteX3" fmla="*/ 1909267 w 3291840"/>
+              <a:gd name="connsiteY3" fmla="*/ 0 h 18288"/>
+              <a:gd name="connsiteX4" fmla="*/ 2633472 w 3291840"/>
+              <a:gd name="connsiteY4" fmla="*/ 0 h 18288"/>
+              <a:gd name="connsiteX5" fmla="*/ 3291840 w 3291840"/>
+              <a:gd name="connsiteY5" fmla="*/ 0 h 18288"/>
+              <a:gd name="connsiteX6" fmla="*/ 3291840 w 3291840"/>
+              <a:gd name="connsiteY6" fmla="*/ 18288 h 18288"/>
+              <a:gd name="connsiteX7" fmla="*/ 2633472 w 3291840"/>
+              <a:gd name="connsiteY7" fmla="*/ 18288 h 18288"/>
+              <a:gd name="connsiteX8" fmla="*/ 2073859 w 3291840"/>
+              <a:gd name="connsiteY8" fmla="*/ 18288 h 18288"/>
+              <a:gd name="connsiteX9" fmla="*/ 1448410 w 3291840"/>
+              <a:gd name="connsiteY9" fmla="*/ 18288 h 18288"/>
+              <a:gd name="connsiteX10" fmla="*/ 822960 w 3291840"/>
+              <a:gd name="connsiteY10" fmla="*/ 18288 h 18288"/>
+              <a:gd name="connsiteX11" fmla="*/ 0 w 3291840"/>
+              <a:gd name="connsiteY11" fmla="*/ 18288 h 18288"/>
+              <a:gd name="connsiteX12" fmla="*/ 0 w 3291840"/>
+              <a:gd name="connsiteY12" fmla="*/ 0 h 18288"/>
+            </a:gdLst>
+            <a:ahLst/>
+            <a:cxnLst>
+              <a:cxn ang="0">
+                <a:pos x="connsiteX0" y="connsiteY0"/>
+              </a:cxn>
+              <a:cxn ang="0">
+                <a:pos x="connsiteX1" y="connsiteY1"/>
+              </a:cxn>
+              <a:cxn ang="0">
+                <a:pos x="connsiteX2" y="connsiteY2"/>
+              </a:cxn>
+              <a:cxn ang="0">
+                <a:pos x="connsiteX3" y="connsiteY3"/>
+              </a:cxn>
+              <a:cxn ang="0">
+                <a:pos x="connsiteX4" y="connsiteY4"/>
+              </a:cxn>
+              <a:cxn ang="0">
+                <a:pos x="connsiteX5" y="connsiteY5"/>
+              </a:cxn>
+              <a:cxn ang="0">
+                <a:pos x="connsiteX6" y="connsiteY6"/>
+              </a:cxn>
+              <a:cxn ang="0">
+                <a:pos x="connsiteX7" y="connsiteY7"/>
+              </a:cxn>
+              <a:cxn ang="0">
+                <a:pos x="connsiteX8" y="connsiteY8"/>
+              </a:cxn>
+              <a:cxn ang="0">
+                <a:pos x="connsiteX9" y="connsiteY9"/>
+              </a:cxn>
+              <a:cxn ang="0">
+                <a:pos x="connsiteX10" y="connsiteY10"/>
+              </a:cxn>
+              <a:cxn ang="0">
+                <a:pos x="connsiteX11" y="connsiteY11"/>
+              </a:cxn>
+              <a:cxn ang="0">
+                <a:pos x="connsiteX12" y="connsiteY12"/>
+              </a:cxn>
+            </a:cxnLst>
+            <a:rect l="l" t="t" r="r" b="b"/>
+            <a:pathLst>
+              <a:path w="3291840" h="18288" fill="none" extrusionOk="0">
+                <a:moveTo>
+                  <a:pt x="0" y="0"/>
+                </a:moveTo>
+                <a:cubicBezTo>
+                  <a:pt x="173077" y="-20031"/>
+                  <a:pt x="443104" y="6424"/>
+                  <a:pt x="658368" y="0"/>
+                </a:cubicBezTo>
+                <a:cubicBezTo>
+                  <a:pt x="873632" y="-6424"/>
+                  <a:pt x="1034028" y="11764"/>
+                  <a:pt x="1283818" y="0"/>
+                </a:cubicBezTo>
+                <a:cubicBezTo>
+                  <a:pt x="1533608" y="-11764"/>
+                  <a:pt x="1691227" y="-30112"/>
+                  <a:pt x="1909267" y="0"/>
+                </a:cubicBezTo>
+                <a:cubicBezTo>
+                  <a:pt x="2127307" y="30112"/>
+                  <a:pt x="2272465" y="-18735"/>
+                  <a:pt x="2633472" y="0"/>
+                </a:cubicBezTo>
+                <a:cubicBezTo>
+                  <a:pt x="2994479" y="18735"/>
+                  <a:pt x="3023324" y="-32030"/>
+                  <a:pt x="3291840" y="0"/>
+                </a:cubicBezTo>
+                <a:cubicBezTo>
+                  <a:pt x="3291406" y="7551"/>
+                  <a:pt x="3291373" y="9822"/>
+                  <a:pt x="3291840" y="18288"/>
+                </a:cubicBezTo>
+                <a:cubicBezTo>
+                  <a:pt x="3048445" y="38989"/>
+                  <a:pt x="2846548" y="-14400"/>
+                  <a:pt x="2633472" y="18288"/>
+                </a:cubicBezTo>
+                <a:cubicBezTo>
+                  <a:pt x="2420396" y="50976"/>
+                  <a:pt x="2304099" y="6336"/>
+                  <a:pt x="2073859" y="18288"/>
+                </a:cubicBezTo>
+                <a:cubicBezTo>
+                  <a:pt x="1843619" y="30240"/>
+                  <a:pt x="1706926" y="10778"/>
+                  <a:pt x="1448410" y="18288"/>
+                </a:cubicBezTo>
+                <a:cubicBezTo>
+                  <a:pt x="1189894" y="25798"/>
+                  <a:pt x="1002278" y="8992"/>
+                  <a:pt x="822960" y="18288"/>
+                </a:cubicBezTo>
+                <a:cubicBezTo>
+                  <a:pt x="643642" y="27585"/>
+                  <a:pt x="307039" y="38051"/>
+                  <a:pt x="0" y="18288"/>
+                </a:cubicBezTo>
+                <a:cubicBezTo>
+                  <a:pt x="60" y="11696"/>
+                  <a:pt x="66" y="3758"/>
+                  <a:pt x="0" y="0"/>
+                </a:cubicBezTo>
+                <a:close/>
+              </a:path>
+              <a:path w="3291840" h="18288" stroke="0" extrusionOk="0">
+                <a:moveTo>
+                  <a:pt x="0" y="0"/>
+                </a:moveTo>
+                <a:cubicBezTo>
+                  <a:pt x="195850" y="28018"/>
+                  <a:pt x="434891" y="17390"/>
+                  <a:pt x="592531" y="0"/>
+                </a:cubicBezTo>
+                <a:cubicBezTo>
+                  <a:pt x="750171" y="-17390"/>
+                  <a:pt x="1018709" y="32200"/>
+                  <a:pt x="1316736" y="0"/>
+                </a:cubicBezTo>
+                <a:cubicBezTo>
+                  <a:pt x="1614763" y="-32200"/>
+                  <a:pt x="1696480" y="-11367"/>
+                  <a:pt x="1876349" y="0"/>
+                </a:cubicBezTo>
+                <a:cubicBezTo>
+                  <a:pt x="2056218" y="11367"/>
+                  <a:pt x="2193364" y="13433"/>
+                  <a:pt x="2435962" y="0"/>
+                </a:cubicBezTo>
+                <a:cubicBezTo>
+                  <a:pt x="2678560" y="-13433"/>
+                  <a:pt x="3010901" y="-42367"/>
+                  <a:pt x="3291840" y="0"/>
+                </a:cubicBezTo>
+                <a:cubicBezTo>
+                  <a:pt x="3291758" y="4406"/>
+                  <a:pt x="3291751" y="9982"/>
+                  <a:pt x="3291840" y="18288"/>
+                </a:cubicBezTo>
+                <a:cubicBezTo>
+                  <a:pt x="3108993" y="14228"/>
+                  <a:pt x="2952658" y="46900"/>
+                  <a:pt x="2666390" y="18288"/>
+                </a:cubicBezTo>
+                <a:cubicBezTo>
+                  <a:pt x="2380122" y="-10324"/>
+                  <a:pt x="2263855" y="41055"/>
+                  <a:pt x="2040941" y="18288"/>
+                </a:cubicBezTo>
+                <a:cubicBezTo>
+                  <a:pt x="1818027" y="-4479"/>
+                  <a:pt x="1675097" y="6509"/>
+                  <a:pt x="1415491" y="18288"/>
+                </a:cubicBezTo>
+                <a:cubicBezTo>
+                  <a:pt x="1155885" y="30068"/>
+                  <a:pt x="852976" y="36210"/>
+                  <a:pt x="691286" y="18288"/>
+                </a:cubicBezTo>
+                <a:cubicBezTo>
+                  <a:pt x="529596" y="366"/>
+                  <a:pt x="187183" y="13912"/>
+                  <a:pt x="0" y="18288"/>
+                </a:cubicBezTo>
+                <a:cubicBezTo>
+                  <a:pt x="189" y="14288"/>
+                  <a:pt x="-703" y="3747"/>
+                  <a:pt x="0" y="0"/>
+                </a:cubicBezTo>
+                <a:close/>
+              </a:path>
+            </a:pathLst>
+          </a:custGeom>
+          <a:solidFill>
+            <a:schemeClr val="accent2"/>
+          </a:solidFill>
+          <a:ln w="41275" cap="rnd">
+            <a:solidFill>
+              <a:schemeClr val="accent2"/>
+            </a:solidFill>
+            <a:round/>
+            <a:extLst>
+              <a:ext uri="{C807C97D-BFC1-408E-A445-0C87EB9F89A2}">
+                <ask:lineSketchStyleProps xmlns:ask="http://schemas.microsoft.com/office/drawing/2018/sketchyshapes" sd="2863741219">
+                  <a:prstGeom prst="rect">
+                    <a:avLst/>
+                  </a:prstGeom>
+                  <ask:type>
+                    <ask:lineSketchFreehand/>
+                  </ask:type>
+                </ask:lineSketchStyleProps>
+              </a:ext>
+            </a:extLst>
+          </a:ln>
+        </p:spPr>
+        <p:style>
+          <a:lnRef idx="2">
+            <a:schemeClr val="accent1">
+              <a:shade val="50000"/>
+            </a:schemeClr>
+          </a:lnRef>
+          <a:fillRef idx="1">
+            <a:schemeClr val="accent1"/>
+          </a:fillRef>
+          <a:effectRef idx="0">
+            <a:schemeClr val="accent1"/>
+          </a:effectRef>
+          <a:fontRef idx="minor">
+            <a:schemeClr val="lt1"/>
+          </a:fontRef>
+        </p:style>
+        <p:txBody>
+          <a:bodyPr rtlCol="0" anchor="ctr"/>
+          <a:lstStyle/>
+          <a:p>
+            <a:pPr algn="ctr"/>
+            <a:endParaRPr lang="en-US"/>
+          </a:p>
+        </p:txBody>
+      </p:sp>
+      <p:pic>
+        <p:nvPicPr>
+          <p:cNvPr id="5" name="Content Placeholder 4" descr="A table of text with numbers&#10;&#10;Description automatically generated with medium confidence">
+            <a:extLst>
+              <a:ext uri="{FF2B5EF4-FFF2-40B4-BE49-F238E27FC236}">
+                <a16:creationId xmlns:a16="http://schemas.microsoft.com/office/drawing/2014/main" id="{6ECB1D90-91B6-2803-1775-70416E875DEF}"/>
+              </a:ext>
+            </a:extLst>
+          </p:cNvPr>
+          <p:cNvPicPr>
+            <a:picLocks noGrp="1" noChangeAspect="1"/>
+          </p:cNvPicPr>
+          <p:nvPr>
+            <p:ph idx="1"/>
+          </p:nvPr>
+        </p:nvPicPr>
+        <p:blipFill>
+          <a:blip r:embed="rId2"/>
+          <a:stretch>
+            <a:fillRect/>
+          </a:stretch>
+        </p:blipFill>
+        <p:spPr>
+          <a:xfrm>
+            <a:off x="657533" y="2642616"/>
+            <a:ext cx="4939430" cy="3605784"/>
+          </a:xfrm>
+          <a:prstGeom prst="rect">
+            <a:avLst/>
+          </a:prstGeom>
+        </p:spPr>
+      </p:pic>
+      <p:pic>
+        <p:nvPicPr>
+          <p:cNvPr id="7" name="Picture 6" descr="A screenshot of a computer&#10;&#10;Description automatically generated">
+            <a:extLst>
+              <a:ext uri="{FF2B5EF4-FFF2-40B4-BE49-F238E27FC236}">
+                <a16:creationId xmlns:a16="http://schemas.microsoft.com/office/drawing/2014/main" id="{8F31D5DA-DC63-9979-694E-CC3D5476315D}"/>
+              </a:ext>
+            </a:extLst>
+          </p:cNvPr>
+          <p:cNvPicPr>
+            <a:picLocks noChangeAspect="1"/>
+          </p:cNvPicPr>
+          <p:nvPr/>
+        </p:nvPicPr>
+        <p:blipFill>
+          <a:blip r:embed="rId3"/>
+          <a:stretch>
+            <a:fillRect/>
+          </a:stretch>
+        </p:blipFill>
+        <p:spPr>
+          <a:xfrm>
+            <a:off x="6254496" y="2950670"/>
+            <a:ext cx="5614416" cy="2989676"/>
+          </a:xfrm>
+          <a:prstGeom prst="rect">
+            <a:avLst/>
+          </a:prstGeom>
+        </p:spPr>
+      </p:pic>
+    </p:spTree>
+    <p:extLst>
+      <p:ext uri="{BB962C8B-B14F-4D97-AF65-F5344CB8AC3E}">
+        <p14:creationId xmlns:p14="http://schemas.microsoft.com/office/powerpoint/2010/main" val="153149114"/>
       </p:ext>
     </p:extLst>
   </p:cSld>

--- a/Presentation.pptx
+++ b/Presentation.pptx
@@ -5,7 +5,7 @@
     <p:sldMasterId id="2147483648" r:id="rId1"/>
   </p:sldMasterIdLst>
   <p:notesMasterIdLst>
-    <p:notesMasterId r:id="rId17"/>
+    <p:notesMasterId r:id="rId18"/>
   </p:notesMasterIdLst>
   <p:sldIdLst>
     <p:sldId id="256" r:id="rId2"/>
@@ -21,8 +21,9 @@
     <p:sldId id="262" r:id="rId12"/>
     <p:sldId id="271" r:id="rId13"/>
     <p:sldId id="264" r:id="rId14"/>
-    <p:sldId id="272" r:id="rId15"/>
-    <p:sldId id="273" r:id="rId16"/>
+    <p:sldId id="275" r:id="rId15"/>
+    <p:sldId id="272" r:id="rId16"/>
+    <p:sldId id="273" r:id="rId17"/>
   </p:sldIdLst>
   <p:sldSz cx="12192000" cy="6858000"/>
   <p:notesSz cx="6858000" cy="9144000"/>
@@ -8145,6 +8146,232 @@
 <file path=ppt/slides/slide14.xml><?xml version="1.0" encoding="utf-8"?>
 <p:sld xmlns:a="http://schemas.openxmlformats.org/drawingml/2006/main" xmlns:r="http://schemas.openxmlformats.org/officeDocument/2006/relationships" xmlns:p="http://schemas.openxmlformats.org/presentationml/2006/main">
   <p:cSld>
+    <p:spTree>
+      <p:nvGrpSpPr>
+        <p:cNvPr id="1" name=""/>
+        <p:cNvGrpSpPr/>
+        <p:nvPr/>
+      </p:nvGrpSpPr>
+      <p:grpSpPr>
+        <a:xfrm>
+          <a:off x="0" y="0"/>
+          <a:ext cx="0" cy="0"/>
+          <a:chOff x="0" y="0"/>
+          <a:chExt cx="0" cy="0"/>
+        </a:xfrm>
+      </p:grpSpPr>
+      <p:sp>
+        <p:nvSpPr>
+          <p:cNvPr id="2" name="Title 1">
+            <a:extLst>
+              <a:ext uri="{FF2B5EF4-FFF2-40B4-BE49-F238E27FC236}">
+                <a16:creationId xmlns:a16="http://schemas.microsoft.com/office/drawing/2014/main" id="{DB7B3A70-F2D9-D993-0D7C-AD4C0C302A83}"/>
+              </a:ext>
+            </a:extLst>
+          </p:cNvPr>
+          <p:cNvSpPr>
+            <a:spLocks noGrp="1"/>
+          </p:cNvSpPr>
+          <p:nvPr>
+            <p:ph type="title"/>
+          </p:nvPr>
+        </p:nvSpPr>
+        <p:spPr/>
+        <p:txBody>
+          <a:bodyPr/>
+          <a:lstStyle/>
+          <a:p>
+            <a:endParaRPr lang="en-US" dirty="0"/>
+          </a:p>
+        </p:txBody>
+      </p:sp>
+      <p:pic>
+        <p:nvPicPr>
+          <p:cNvPr id="4" name="mouse_hunt_p1_solve">
+            <a:hlinkClick r:id="" action="ppaction://media"/>
+            <a:extLst>
+              <a:ext uri="{FF2B5EF4-FFF2-40B4-BE49-F238E27FC236}">
+                <a16:creationId xmlns:a16="http://schemas.microsoft.com/office/drawing/2014/main" id="{76C62E9B-21A9-A5BF-E539-33AB52660148}"/>
+              </a:ext>
+            </a:extLst>
+          </p:cNvPr>
+          <p:cNvPicPr>
+            <a:picLocks noGrp="1" noChangeAspect="1"/>
+          </p:cNvPicPr>
+          <p:nvPr>
+            <p:ph idx="1"/>
+            <a:videoFile r:link="rId2"/>
+            <p:extLst>
+              <p:ext uri="{DAA4B4D4-6D71-4841-9C94-3DE7FCFB9230}">
+                <p14:media xmlns:p14="http://schemas.microsoft.com/office/powerpoint/2010/main" r:embed="rId1"/>
+              </p:ext>
+            </p:extLst>
+          </p:nvPr>
+        </p:nvPicPr>
+        <p:blipFill>
+          <a:blip r:embed="rId4"/>
+          <a:stretch>
+            <a:fillRect/>
+          </a:stretch>
+        </p:blipFill>
+        <p:spPr>
+          <a:xfrm>
+            <a:off x="0" y="-1"/>
+            <a:ext cx="12192000" cy="6857845"/>
+          </a:xfrm>
+        </p:spPr>
+      </p:pic>
+    </p:spTree>
+    <p:extLst>
+      <p:ext uri="{BB962C8B-B14F-4D97-AF65-F5344CB8AC3E}">
+        <p14:creationId xmlns:p14="http://schemas.microsoft.com/office/powerpoint/2010/main" val="1891035317"/>
+      </p:ext>
+    </p:extLst>
+  </p:cSld>
+  <p:clrMapOvr>
+    <a:masterClrMapping/>
+  </p:clrMapOvr>
+  <p:timing>
+    <p:tnLst>
+      <p:par>
+        <p:cTn id="1" dur="indefinite" restart="never" nodeType="tmRoot">
+          <p:childTnLst>
+            <p:seq concurrent="1" nextAc="seek">
+              <p:cTn id="2" dur="indefinite" nodeType="mainSeq">
+                <p:childTnLst>
+                  <p:par>
+                    <p:cTn id="3" fill="hold">
+                      <p:stCondLst>
+                        <p:cond delay="indefinite"/>
+                      </p:stCondLst>
+                      <p:childTnLst>
+                        <p:par>
+                          <p:cTn id="4" fill="hold">
+                            <p:stCondLst>
+                              <p:cond delay="0"/>
+                            </p:stCondLst>
+                            <p:childTnLst>
+                              <p:par>
+                                <p:cTn id="5" presetID="1" presetClass="mediacall" presetSubtype="0" fill="hold" nodeType="clickEffect">
+                                  <p:stCondLst>
+                                    <p:cond delay="0"/>
+                                  </p:stCondLst>
+                                  <p:childTnLst>
+                                    <p:cmd type="call" cmd="playFrom(0.0)">
+                                      <p:cBhvr>
+                                        <p:cTn id="6" dur="8135" fill="hold"/>
+                                        <p:tgtEl>
+                                          <p:spTgt spid="4"/>
+                                        </p:tgtEl>
+                                      </p:cBhvr>
+                                    </p:cmd>
+                                  </p:childTnLst>
+                                </p:cTn>
+                              </p:par>
+                            </p:childTnLst>
+                          </p:cTn>
+                        </p:par>
+                      </p:childTnLst>
+                    </p:cTn>
+                  </p:par>
+                </p:childTnLst>
+              </p:cTn>
+              <p:prevCondLst>
+                <p:cond evt="onPrev" delay="0">
+                  <p:tgtEl>
+                    <p:sldTgt/>
+                  </p:tgtEl>
+                </p:cond>
+              </p:prevCondLst>
+              <p:nextCondLst>
+                <p:cond evt="onNext" delay="0">
+                  <p:tgtEl>
+                    <p:sldTgt/>
+                  </p:tgtEl>
+                </p:cond>
+              </p:nextCondLst>
+            </p:seq>
+            <p:video>
+              <p:cMediaNode vol="80000">
+                <p:cTn id="7" fill="hold" display="0">
+                  <p:stCondLst>
+                    <p:cond delay="indefinite"/>
+                  </p:stCondLst>
+                </p:cTn>
+                <p:tgtEl>
+                  <p:spTgt spid="4"/>
+                </p:tgtEl>
+              </p:cMediaNode>
+            </p:video>
+            <p:seq concurrent="1" nextAc="seek">
+              <p:cTn id="8" restart="whenNotActive" fill="hold" evtFilter="cancelBubble" nodeType="interactiveSeq">
+                <p:stCondLst>
+                  <p:cond evt="onClick" delay="0">
+                    <p:tgtEl>
+                      <p:spTgt spid="4"/>
+                    </p:tgtEl>
+                  </p:cond>
+                </p:stCondLst>
+                <p:endSync evt="end" delay="0">
+                  <p:rtn val="all"/>
+                </p:endSync>
+                <p:childTnLst>
+                  <p:par>
+                    <p:cTn id="9" fill="hold">
+                      <p:stCondLst>
+                        <p:cond delay="0"/>
+                      </p:stCondLst>
+                      <p:childTnLst>
+                        <p:par>
+                          <p:cTn id="10" fill="hold">
+                            <p:stCondLst>
+                              <p:cond delay="0"/>
+                            </p:stCondLst>
+                            <p:childTnLst>
+                              <p:par>
+                                <p:cTn id="11" presetID="2" presetClass="mediacall" presetSubtype="0" fill="hold" nodeType="clickEffect">
+                                  <p:stCondLst>
+                                    <p:cond delay="0"/>
+                                  </p:stCondLst>
+                                  <p:childTnLst>
+                                    <p:cmd type="call" cmd="togglePause">
+                                      <p:cBhvr>
+                                        <p:cTn id="12" dur="1" fill="hold"/>
+                                        <p:tgtEl>
+                                          <p:spTgt spid="4"/>
+                                        </p:tgtEl>
+                                      </p:cBhvr>
+                                    </p:cmd>
+                                  </p:childTnLst>
+                                </p:cTn>
+                              </p:par>
+                            </p:childTnLst>
+                          </p:cTn>
+                        </p:par>
+                      </p:childTnLst>
+                    </p:cTn>
+                  </p:par>
+                </p:childTnLst>
+              </p:cTn>
+              <p:nextCondLst>
+                <p:cond evt="onClick" delay="0">
+                  <p:tgtEl>
+                    <p:spTgt spid="4"/>
+                  </p:tgtEl>
+                </p:cond>
+              </p:nextCondLst>
+            </p:seq>
+          </p:childTnLst>
+        </p:cTn>
+      </p:par>
+    </p:tnLst>
+  </p:timing>
+</p:sld>
+</file>
+
+<file path=ppt/slides/slide15.xml><?xml version="1.0" encoding="utf-8"?>
+<p:sld xmlns:a="http://schemas.openxmlformats.org/drawingml/2006/main" xmlns:r="http://schemas.openxmlformats.org/officeDocument/2006/relationships" xmlns:p="http://schemas.openxmlformats.org/presentationml/2006/main">
+  <p:cSld>
     <p:bg>
       <p:bgPr>
         <a:solidFill>
@@ -8688,7 +8915,7 @@
 </p:sld>
 </file>
 
-<file path=ppt/slides/slide15.xml><?xml version="1.0" encoding="utf-8"?>
+<file path=ppt/slides/slide16.xml><?xml version="1.0" encoding="utf-8"?>
 <p:sld xmlns:a="http://schemas.openxmlformats.org/drawingml/2006/main" xmlns:r="http://schemas.openxmlformats.org/officeDocument/2006/relationships" xmlns:p="http://schemas.openxmlformats.org/presentationml/2006/main">
   <p:cSld>
     <p:bg>

--- a/Presentation.pptx
+++ b/Presentation.pptx
@@ -5,7 +5,7 @@
     <p:sldMasterId id="2147483648" r:id="rId1"/>
   </p:sldMasterIdLst>
   <p:notesMasterIdLst>
-    <p:notesMasterId r:id="rId18"/>
+    <p:notesMasterId r:id="rId17"/>
   </p:notesMasterIdLst>
   <p:sldIdLst>
     <p:sldId id="256" r:id="rId2"/>
@@ -22,8 +22,7 @@
     <p:sldId id="271" r:id="rId13"/>
     <p:sldId id="264" r:id="rId14"/>
     <p:sldId id="275" r:id="rId15"/>
-    <p:sldId id="272" r:id="rId16"/>
-    <p:sldId id="273" r:id="rId17"/>
+    <p:sldId id="273" r:id="rId16"/>
   </p:sldIdLst>
   <p:sldSz cx="12192000" cy="6858000"/>
   <p:notesSz cx="6858000" cy="9144000"/>
@@ -523,7 +522,97 @@
           <a:bodyPr/>
           <a:lstStyle/>
           <a:p>
-            <a:endParaRPr lang="en-US" dirty="0"/>
+            <a:r>
+              <a:rPr lang="en-US" dirty="0"/>
+              <a:t>Sebastian</a:t>
+            </a:r>
+          </a:p>
+        </p:txBody>
+      </p:sp>
+      <p:sp>
+        <p:nvSpPr>
+          <p:cNvPr id="4" name="Slide Number Placeholder 3"/>
+          <p:cNvSpPr>
+            <a:spLocks noGrp="1"/>
+          </p:cNvSpPr>
+          <p:nvPr>
+            <p:ph type="sldNum" sz="quarter" idx="5"/>
+          </p:nvPr>
+        </p:nvSpPr>
+        <p:spPr/>
+        <p:txBody>
+          <a:bodyPr/>
+          <a:lstStyle/>
+          <a:p>
+            <a:fld id="{434FA2CC-0372-2E4C-BE58-FCD0C3EB156F}" type="slidenum">
+              <a:rPr lang="en-US" smtClean="0"/>
+              <a:t>1</a:t>
+            </a:fld>
+            <a:endParaRPr lang="en-US"/>
+          </a:p>
+        </p:txBody>
+      </p:sp>
+    </p:spTree>
+    <p:extLst>
+      <p:ext uri="{BB962C8B-B14F-4D97-AF65-F5344CB8AC3E}">
+        <p14:creationId xmlns:p14="http://schemas.microsoft.com/office/powerpoint/2010/main" val="1430549271"/>
+      </p:ext>
+    </p:extLst>
+  </p:cSld>
+  <p:clrMapOvr>
+    <a:masterClrMapping/>
+  </p:clrMapOvr>
+</p:notes>
+</file>
+
+<file path=ppt/notesSlides/notesSlide10.xml><?xml version="1.0" encoding="utf-8"?>
+<p:notes xmlns:a="http://schemas.openxmlformats.org/drawingml/2006/main" xmlns:r="http://schemas.openxmlformats.org/officeDocument/2006/relationships" xmlns:p="http://schemas.openxmlformats.org/presentationml/2006/main">
+  <p:cSld>
+    <p:spTree>
+      <p:nvGrpSpPr>
+        <p:cNvPr id="1" name=""/>
+        <p:cNvGrpSpPr/>
+        <p:nvPr/>
+      </p:nvGrpSpPr>
+      <p:grpSpPr>
+        <a:xfrm>
+          <a:off x="0" y="0"/>
+          <a:ext cx="0" cy="0"/>
+          <a:chOff x="0" y="0"/>
+          <a:chExt cx="0" cy="0"/>
+        </a:xfrm>
+      </p:grpSpPr>
+      <p:sp>
+        <p:nvSpPr>
+          <p:cNvPr id="2" name="Slide Image Placeholder 1"/>
+          <p:cNvSpPr>
+            <a:spLocks noGrp="1" noRot="1" noChangeAspect="1"/>
+          </p:cNvSpPr>
+          <p:nvPr>
+            <p:ph type="sldImg"/>
+          </p:nvPr>
+        </p:nvSpPr>
+        <p:spPr/>
+      </p:sp>
+      <p:sp>
+        <p:nvSpPr>
+          <p:cNvPr id="3" name="Notes Placeholder 2"/>
+          <p:cNvSpPr>
+            <a:spLocks noGrp="1"/>
+          </p:cNvSpPr>
+          <p:nvPr>
+            <p:ph type="body" idx="1"/>
+          </p:nvPr>
+        </p:nvSpPr>
+        <p:spPr/>
+        <p:txBody>
+          <a:bodyPr/>
+          <a:lstStyle/>
+          <a:p>
+            <a:r>
+              <a:rPr lang="en-US" dirty="0"/>
+              <a:t>Jordan</a:t>
+            </a:r>
           </a:p>
         </p:txBody>
       </p:sp>
@@ -554,6 +643,1050 @@
     <p:extLst>
       <p:ext uri="{BB962C8B-B14F-4D97-AF65-F5344CB8AC3E}">
         <p14:creationId xmlns:p14="http://schemas.microsoft.com/office/powerpoint/2010/main" val="1672003954"/>
+      </p:ext>
+    </p:extLst>
+  </p:cSld>
+  <p:clrMapOvr>
+    <a:masterClrMapping/>
+  </p:clrMapOvr>
+</p:notes>
+</file>
+
+<file path=ppt/notesSlides/notesSlide11.xml><?xml version="1.0" encoding="utf-8"?>
+<p:notes xmlns:a="http://schemas.openxmlformats.org/drawingml/2006/main" xmlns:r="http://schemas.openxmlformats.org/officeDocument/2006/relationships" xmlns:p="http://schemas.openxmlformats.org/presentationml/2006/main">
+  <p:cSld>
+    <p:spTree>
+      <p:nvGrpSpPr>
+        <p:cNvPr id="1" name=""/>
+        <p:cNvGrpSpPr/>
+        <p:nvPr/>
+      </p:nvGrpSpPr>
+      <p:grpSpPr>
+        <a:xfrm>
+          <a:off x="0" y="0"/>
+          <a:ext cx="0" cy="0"/>
+          <a:chOff x="0" y="0"/>
+          <a:chExt cx="0" cy="0"/>
+        </a:xfrm>
+      </p:grpSpPr>
+      <p:sp>
+        <p:nvSpPr>
+          <p:cNvPr id="2" name="Slide Image Placeholder 1"/>
+          <p:cNvSpPr>
+            <a:spLocks noGrp="1" noRot="1" noChangeAspect="1"/>
+          </p:cNvSpPr>
+          <p:nvPr>
+            <p:ph type="sldImg"/>
+          </p:nvPr>
+        </p:nvSpPr>
+        <p:spPr/>
+      </p:sp>
+      <p:sp>
+        <p:nvSpPr>
+          <p:cNvPr id="3" name="Notes Placeholder 2"/>
+          <p:cNvSpPr>
+            <a:spLocks noGrp="1"/>
+          </p:cNvSpPr>
+          <p:nvPr>
+            <p:ph type="body" idx="1"/>
+          </p:nvPr>
+        </p:nvSpPr>
+        <p:spPr/>
+        <p:txBody>
+          <a:bodyPr/>
+          <a:lstStyle/>
+          <a:p>
+            <a:r>
+              <a:rPr lang="en-US" dirty="0"/>
+              <a:t>Sebastian</a:t>
+            </a:r>
+          </a:p>
+        </p:txBody>
+      </p:sp>
+      <p:sp>
+        <p:nvSpPr>
+          <p:cNvPr id="4" name="Slide Number Placeholder 3"/>
+          <p:cNvSpPr>
+            <a:spLocks noGrp="1"/>
+          </p:cNvSpPr>
+          <p:nvPr>
+            <p:ph type="sldNum" sz="quarter" idx="5"/>
+          </p:nvPr>
+        </p:nvSpPr>
+        <p:spPr/>
+        <p:txBody>
+          <a:bodyPr/>
+          <a:lstStyle/>
+          <a:p>
+            <a:fld id="{434FA2CC-0372-2E4C-BE58-FCD0C3EB156F}" type="slidenum">
+              <a:rPr lang="en-US" smtClean="0"/>
+              <a:t>11</a:t>
+            </a:fld>
+            <a:endParaRPr lang="en-US"/>
+          </a:p>
+        </p:txBody>
+      </p:sp>
+    </p:spTree>
+    <p:extLst>
+      <p:ext uri="{BB962C8B-B14F-4D97-AF65-F5344CB8AC3E}">
+        <p14:creationId xmlns:p14="http://schemas.microsoft.com/office/powerpoint/2010/main" val="3362466762"/>
+      </p:ext>
+    </p:extLst>
+  </p:cSld>
+  <p:clrMapOvr>
+    <a:masterClrMapping/>
+  </p:clrMapOvr>
+</p:notes>
+</file>
+
+<file path=ppt/notesSlides/notesSlide12.xml><?xml version="1.0" encoding="utf-8"?>
+<p:notes xmlns:a="http://schemas.openxmlformats.org/drawingml/2006/main" xmlns:r="http://schemas.openxmlformats.org/officeDocument/2006/relationships" xmlns:p="http://schemas.openxmlformats.org/presentationml/2006/main">
+  <p:cSld>
+    <p:spTree>
+      <p:nvGrpSpPr>
+        <p:cNvPr id="1" name=""/>
+        <p:cNvGrpSpPr/>
+        <p:nvPr/>
+      </p:nvGrpSpPr>
+      <p:grpSpPr>
+        <a:xfrm>
+          <a:off x="0" y="0"/>
+          <a:ext cx="0" cy="0"/>
+          <a:chOff x="0" y="0"/>
+          <a:chExt cx="0" cy="0"/>
+        </a:xfrm>
+      </p:grpSpPr>
+      <p:sp>
+        <p:nvSpPr>
+          <p:cNvPr id="2" name="Slide Image Placeholder 1"/>
+          <p:cNvSpPr>
+            <a:spLocks noGrp="1" noRot="1" noChangeAspect="1"/>
+          </p:cNvSpPr>
+          <p:nvPr>
+            <p:ph type="sldImg"/>
+          </p:nvPr>
+        </p:nvSpPr>
+        <p:spPr/>
+      </p:sp>
+      <p:sp>
+        <p:nvSpPr>
+          <p:cNvPr id="3" name="Notes Placeholder 2"/>
+          <p:cNvSpPr>
+            <a:spLocks noGrp="1"/>
+          </p:cNvSpPr>
+          <p:nvPr>
+            <p:ph type="body" idx="1"/>
+          </p:nvPr>
+        </p:nvSpPr>
+        <p:spPr/>
+        <p:txBody>
+          <a:bodyPr/>
+          <a:lstStyle/>
+          <a:p>
+            <a:r>
+              <a:rPr lang="en-US" dirty="0"/>
+              <a:t>Jordan</a:t>
+            </a:r>
+          </a:p>
+        </p:txBody>
+      </p:sp>
+      <p:sp>
+        <p:nvSpPr>
+          <p:cNvPr id="4" name="Slide Number Placeholder 3"/>
+          <p:cNvSpPr>
+            <a:spLocks noGrp="1"/>
+          </p:cNvSpPr>
+          <p:nvPr>
+            <p:ph type="sldNum" sz="quarter" idx="5"/>
+          </p:nvPr>
+        </p:nvSpPr>
+        <p:spPr/>
+        <p:txBody>
+          <a:bodyPr/>
+          <a:lstStyle/>
+          <a:p>
+            <a:fld id="{434FA2CC-0372-2E4C-BE58-FCD0C3EB156F}" type="slidenum">
+              <a:rPr lang="en-US" smtClean="0"/>
+              <a:t>12</a:t>
+            </a:fld>
+            <a:endParaRPr lang="en-US"/>
+          </a:p>
+        </p:txBody>
+      </p:sp>
+    </p:spTree>
+    <p:extLst>
+      <p:ext uri="{BB962C8B-B14F-4D97-AF65-F5344CB8AC3E}">
+        <p14:creationId xmlns:p14="http://schemas.microsoft.com/office/powerpoint/2010/main" val="2804311427"/>
+      </p:ext>
+    </p:extLst>
+  </p:cSld>
+  <p:clrMapOvr>
+    <a:masterClrMapping/>
+  </p:clrMapOvr>
+</p:notes>
+</file>
+
+<file path=ppt/notesSlides/notesSlide13.xml><?xml version="1.0" encoding="utf-8"?>
+<p:notes xmlns:a="http://schemas.openxmlformats.org/drawingml/2006/main" xmlns:r="http://schemas.openxmlformats.org/officeDocument/2006/relationships" xmlns:p="http://schemas.openxmlformats.org/presentationml/2006/main">
+  <p:cSld>
+    <p:spTree>
+      <p:nvGrpSpPr>
+        <p:cNvPr id="1" name=""/>
+        <p:cNvGrpSpPr/>
+        <p:nvPr/>
+      </p:nvGrpSpPr>
+      <p:grpSpPr>
+        <a:xfrm>
+          <a:off x="0" y="0"/>
+          <a:ext cx="0" cy="0"/>
+          <a:chOff x="0" y="0"/>
+          <a:chExt cx="0" cy="0"/>
+        </a:xfrm>
+      </p:grpSpPr>
+      <p:sp>
+        <p:nvSpPr>
+          <p:cNvPr id="2" name="Slide Image Placeholder 1"/>
+          <p:cNvSpPr>
+            <a:spLocks noGrp="1" noRot="1" noChangeAspect="1"/>
+          </p:cNvSpPr>
+          <p:nvPr>
+            <p:ph type="sldImg"/>
+          </p:nvPr>
+        </p:nvSpPr>
+        <p:spPr/>
+      </p:sp>
+      <p:sp>
+        <p:nvSpPr>
+          <p:cNvPr id="3" name="Notes Placeholder 2"/>
+          <p:cNvSpPr>
+            <a:spLocks noGrp="1"/>
+          </p:cNvSpPr>
+          <p:nvPr>
+            <p:ph type="body" idx="1"/>
+          </p:nvPr>
+        </p:nvSpPr>
+        <p:spPr/>
+        <p:txBody>
+          <a:bodyPr/>
+          <a:lstStyle/>
+          <a:p>
+            <a:r>
+              <a:rPr lang="en-US" dirty="0"/>
+              <a:t>Jordan</a:t>
+            </a:r>
+          </a:p>
+        </p:txBody>
+      </p:sp>
+      <p:sp>
+        <p:nvSpPr>
+          <p:cNvPr id="4" name="Slide Number Placeholder 3"/>
+          <p:cNvSpPr>
+            <a:spLocks noGrp="1"/>
+          </p:cNvSpPr>
+          <p:nvPr>
+            <p:ph type="sldNum" sz="quarter" idx="5"/>
+          </p:nvPr>
+        </p:nvSpPr>
+        <p:spPr/>
+        <p:txBody>
+          <a:bodyPr/>
+          <a:lstStyle/>
+          <a:p>
+            <a:fld id="{434FA2CC-0372-2E4C-BE58-FCD0C3EB156F}" type="slidenum">
+              <a:rPr lang="en-US" smtClean="0"/>
+              <a:t>13</a:t>
+            </a:fld>
+            <a:endParaRPr lang="en-US"/>
+          </a:p>
+        </p:txBody>
+      </p:sp>
+    </p:spTree>
+    <p:extLst>
+      <p:ext uri="{BB962C8B-B14F-4D97-AF65-F5344CB8AC3E}">
+        <p14:creationId xmlns:p14="http://schemas.microsoft.com/office/powerpoint/2010/main" val="550603613"/>
+      </p:ext>
+    </p:extLst>
+  </p:cSld>
+  <p:clrMapOvr>
+    <a:masterClrMapping/>
+  </p:clrMapOvr>
+</p:notes>
+</file>
+
+<file path=ppt/notesSlides/notesSlide14.xml><?xml version="1.0" encoding="utf-8"?>
+<p:notes xmlns:a="http://schemas.openxmlformats.org/drawingml/2006/main" xmlns:r="http://schemas.openxmlformats.org/officeDocument/2006/relationships" xmlns:p="http://schemas.openxmlformats.org/presentationml/2006/main">
+  <p:cSld>
+    <p:spTree>
+      <p:nvGrpSpPr>
+        <p:cNvPr id="1" name=""/>
+        <p:cNvGrpSpPr/>
+        <p:nvPr/>
+      </p:nvGrpSpPr>
+      <p:grpSpPr>
+        <a:xfrm>
+          <a:off x="0" y="0"/>
+          <a:ext cx="0" cy="0"/>
+          <a:chOff x="0" y="0"/>
+          <a:chExt cx="0" cy="0"/>
+        </a:xfrm>
+      </p:grpSpPr>
+      <p:sp>
+        <p:nvSpPr>
+          <p:cNvPr id="2" name="Slide Image Placeholder 1"/>
+          <p:cNvSpPr>
+            <a:spLocks noGrp="1" noRot="1" noChangeAspect="1"/>
+          </p:cNvSpPr>
+          <p:nvPr>
+            <p:ph type="sldImg"/>
+          </p:nvPr>
+        </p:nvSpPr>
+        <p:spPr/>
+      </p:sp>
+      <p:sp>
+        <p:nvSpPr>
+          <p:cNvPr id="3" name="Notes Placeholder 2"/>
+          <p:cNvSpPr>
+            <a:spLocks noGrp="1"/>
+          </p:cNvSpPr>
+          <p:nvPr>
+            <p:ph type="body" idx="1"/>
+          </p:nvPr>
+        </p:nvSpPr>
+        <p:spPr/>
+        <p:txBody>
+          <a:bodyPr/>
+          <a:lstStyle/>
+          <a:p>
+            <a:r>
+              <a:rPr lang="en-US" dirty="0"/>
+              <a:t>Jordan</a:t>
+            </a:r>
+          </a:p>
+        </p:txBody>
+      </p:sp>
+      <p:sp>
+        <p:nvSpPr>
+          <p:cNvPr id="4" name="Slide Number Placeholder 3"/>
+          <p:cNvSpPr>
+            <a:spLocks noGrp="1"/>
+          </p:cNvSpPr>
+          <p:nvPr>
+            <p:ph type="sldNum" sz="quarter" idx="5"/>
+          </p:nvPr>
+        </p:nvSpPr>
+        <p:spPr/>
+        <p:txBody>
+          <a:bodyPr/>
+          <a:lstStyle/>
+          <a:p>
+            <a:fld id="{434FA2CC-0372-2E4C-BE58-FCD0C3EB156F}" type="slidenum">
+              <a:rPr lang="en-US" smtClean="0"/>
+              <a:t>14</a:t>
+            </a:fld>
+            <a:endParaRPr lang="en-US"/>
+          </a:p>
+        </p:txBody>
+      </p:sp>
+    </p:spTree>
+    <p:extLst>
+      <p:ext uri="{BB962C8B-B14F-4D97-AF65-F5344CB8AC3E}">
+        <p14:creationId xmlns:p14="http://schemas.microsoft.com/office/powerpoint/2010/main" val="657747907"/>
+      </p:ext>
+    </p:extLst>
+  </p:cSld>
+  <p:clrMapOvr>
+    <a:masterClrMapping/>
+  </p:clrMapOvr>
+</p:notes>
+</file>
+
+<file path=ppt/notesSlides/notesSlide2.xml><?xml version="1.0" encoding="utf-8"?>
+<p:notes xmlns:a="http://schemas.openxmlformats.org/drawingml/2006/main" xmlns:r="http://schemas.openxmlformats.org/officeDocument/2006/relationships" xmlns:p="http://schemas.openxmlformats.org/presentationml/2006/main">
+  <p:cSld>
+    <p:spTree>
+      <p:nvGrpSpPr>
+        <p:cNvPr id="1" name=""/>
+        <p:cNvGrpSpPr/>
+        <p:nvPr/>
+      </p:nvGrpSpPr>
+      <p:grpSpPr>
+        <a:xfrm>
+          <a:off x="0" y="0"/>
+          <a:ext cx="0" cy="0"/>
+          <a:chOff x="0" y="0"/>
+          <a:chExt cx="0" cy="0"/>
+        </a:xfrm>
+      </p:grpSpPr>
+      <p:sp>
+        <p:nvSpPr>
+          <p:cNvPr id="2" name="Slide Image Placeholder 1"/>
+          <p:cNvSpPr>
+            <a:spLocks noGrp="1" noRot="1" noChangeAspect="1"/>
+          </p:cNvSpPr>
+          <p:nvPr>
+            <p:ph type="sldImg"/>
+          </p:nvPr>
+        </p:nvSpPr>
+        <p:spPr/>
+      </p:sp>
+      <p:sp>
+        <p:nvSpPr>
+          <p:cNvPr id="3" name="Notes Placeholder 2"/>
+          <p:cNvSpPr>
+            <a:spLocks noGrp="1"/>
+          </p:cNvSpPr>
+          <p:nvPr>
+            <p:ph type="body" idx="1"/>
+          </p:nvPr>
+        </p:nvSpPr>
+        <p:spPr/>
+        <p:txBody>
+          <a:bodyPr/>
+          <a:lstStyle/>
+          <a:p>
+            <a:r>
+              <a:rPr lang="en-US" dirty="0"/>
+              <a:t>Jordan</a:t>
+            </a:r>
+          </a:p>
+        </p:txBody>
+      </p:sp>
+      <p:sp>
+        <p:nvSpPr>
+          <p:cNvPr id="4" name="Slide Number Placeholder 3"/>
+          <p:cNvSpPr>
+            <a:spLocks noGrp="1"/>
+          </p:cNvSpPr>
+          <p:nvPr>
+            <p:ph type="sldNum" sz="quarter" idx="5"/>
+          </p:nvPr>
+        </p:nvSpPr>
+        <p:spPr/>
+        <p:txBody>
+          <a:bodyPr/>
+          <a:lstStyle/>
+          <a:p>
+            <a:fld id="{434FA2CC-0372-2E4C-BE58-FCD0C3EB156F}" type="slidenum">
+              <a:rPr lang="en-US" smtClean="0"/>
+              <a:t>2</a:t>
+            </a:fld>
+            <a:endParaRPr lang="en-US"/>
+          </a:p>
+        </p:txBody>
+      </p:sp>
+    </p:spTree>
+    <p:extLst>
+      <p:ext uri="{BB962C8B-B14F-4D97-AF65-F5344CB8AC3E}">
+        <p14:creationId xmlns:p14="http://schemas.microsoft.com/office/powerpoint/2010/main" val="736495863"/>
+      </p:ext>
+    </p:extLst>
+  </p:cSld>
+  <p:clrMapOvr>
+    <a:masterClrMapping/>
+  </p:clrMapOvr>
+</p:notes>
+</file>
+
+<file path=ppt/notesSlides/notesSlide3.xml><?xml version="1.0" encoding="utf-8"?>
+<p:notes xmlns:a="http://schemas.openxmlformats.org/drawingml/2006/main" xmlns:r="http://schemas.openxmlformats.org/officeDocument/2006/relationships" xmlns:p="http://schemas.openxmlformats.org/presentationml/2006/main">
+  <p:cSld>
+    <p:spTree>
+      <p:nvGrpSpPr>
+        <p:cNvPr id="1" name=""/>
+        <p:cNvGrpSpPr/>
+        <p:nvPr/>
+      </p:nvGrpSpPr>
+      <p:grpSpPr>
+        <a:xfrm>
+          <a:off x="0" y="0"/>
+          <a:ext cx="0" cy="0"/>
+          <a:chOff x="0" y="0"/>
+          <a:chExt cx="0" cy="0"/>
+        </a:xfrm>
+      </p:grpSpPr>
+      <p:sp>
+        <p:nvSpPr>
+          <p:cNvPr id="2" name="Slide Image Placeholder 1"/>
+          <p:cNvSpPr>
+            <a:spLocks noGrp="1" noRot="1" noChangeAspect="1"/>
+          </p:cNvSpPr>
+          <p:nvPr>
+            <p:ph type="sldImg"/>
+          </p:nvPr>
+        </p:nvSpPr>
+        <p:spPr/>
+      </p:sp>
+      <p:sp>
+        <p:nvSpPr>
+          <p:cNvPr id="3" name="Notes Placeholder 2"/>
+          <p:cNvSpPr>
+            <a:spLocks noGrp="1"/>
+          </p:cNvSpPr>
+          <p:nvPr>
+            <p:ph type="body" idx="1"/>
+          </p:nvPr>
+        </p:nvSpPr>
+        <p:spPr/>
+        <p:txBody>
+          <a:bodyPr/>
+          <a:lstStyle/>
+          <a:p>
+            <a:r>
+              <a:rPr lang="en-US" dirty="0"/>
+              <a:t>Sebastian</a:t>
+            </a:r>
+          </a:p>
+        </p:txBody>
+      </p:sp>
+      <p:sp>
+        <p:nvSpPr>
+          <p:cNvPr id="4" name="Slide Number Placeholder 3"/>
+          <p:cNvSpPr>
+            <a:spLocks noGrp="1"/>
+          </p:cNvSpPr>
+          <p:nvPr>
+            <p:ph type="sldNum" sz="quarter" idx="5"/>
+          </p:nvPr>
+        </p:nvSpPr>
+        <p:spPr/>
+        <p:txBody>
+          <a:bodyPr/>
+          <a:lstStyle/>
+          <a:p>
+            <a:fld id="{434FA2CC-0372-2E4C-BE58-FCD0C3EB156F}" type="slidenum">
+              <a:rPr lang="en-US" smtClean="0"/>
+              <a:t>3</a:t>
+            </a:fld>
+            <a:endParaRPr lang="en-US"/>
+          </a:p>
+        </p:txBody>
+      </p:sp>
+    </p:spTree>
+    <p:extLst>
+      <p:ext uri="{BB962C8B-B14F-4D97-AF65-F5344CB8AC3E}">
+        <p14:creationId xmlns:p14="http://schemas.microsoft.com/office/powerpoint/2010/main" val="4147388754"/>
+      </p:ext>
+    </p:extLst>
+  </p:cSld>
+  <p:clrMapOvr>
+    <a:masterClrMapping/>
+  </p:clrMapOvr>
+</p:notes>
+</file>
+
+<file path=ppt/notesSlides/notesSlide4.xml><?xml version="1.0" encoding="utf-8"?>
+<p:notes xmlns:a="http://schemas.openxmlformats.org/drawingml/2006/main" xmlns:r="http://schemas.openxmlformats.org/officeDocument/2006/relationships" xmlns:p="http://schemas.openxmlformats.org/presentationml/2006/main">
+  <p:cSld>
+    <p:spTree>
+      <p:nvGrpSpPr>
+        <p:cNvPr id="1" name=""/>
+        <p:cNvGrpSpPr/>
+        <p:nvPr/>
+      </p:nvGrpSpPr>
+      <p:grpSpPr>
+        <a:xfrm>
+          <a:off x="0" y="0"/>
+          <a:ext cx="0" cy="0"/>
+          <a:chOff x="0" y="0"/>
+          <a:chExt cx="0" cy="0"/>
+        </a:xfrm>
+      </p:grpSpPr>
+      <p:sp>
+        <p:nvSpPr>
+          <p:cNvPr id="2" name="Slide Image Placeholder 1"/>
+          <p:cNvSpPr>
+            <a:spLocks noGrp="1" noRot="1" noChangeAspect="1"/>
+          </p:cNvSpPr>
+          <p:nvPr>
+            <p:ph type="sldImg"/>
+          </p:nvPr>
+        </p:nvSpPr>
+        <p:spPr/>
+      </p:sp>
+      <p:sp>
+        <p:nvSpPr>
+          <p:cNvPr id="3" name="Notes Placeholder 2"/>
+          <p:cNvSpPr>
+            <a:spLocks noGrp="1"/>
+          </p:cNvSpPr>
+          <p:nvPr>
+            <p:ph type="body" idx="1"/>
+          </p:nvPr>
+        </p:nvSpPr>
+        <p:spPr/>
+        <p:txBody>
+          <a:bodyPr/>
+          <a:lstStyle/>
+          <a:p>
+            <a:r>
+              <a:rPr lang="en-US" dirty="0"/>
+              <a:t>Sebastian</a:t>
+            </a:r>
+          </a:p>
+        </p:txBody>
+      </p:sp>
+      <p:sp>
+        <p:nvSpPr>
+          <p:cNvPr id="4" name="Slide Number Placeholder 3"/>
+          <p:cNvSpPr>
+            <a:spLocks noGrp="1"/>
+          </p:cNvSpPr>
+          <p:nvPr>
+            <p:ph type="sldNum" sz="quarter" idx="5"/>
+          </p:nvPr>
+        </p:nvSpPr>
+        <p:spPr/>
+        <p:txBody>
+          <a:bodyPr/>
+          <a:lstStyle/>
+          <a:p>
+            <a:fld id="{434FA2CC-0372-2E4C-BE58-FCD0C3EB156F}" type="slidenum">
+              <a:rPr lang="en-US" smtClean="0"/>
+              <a:t>4</a:t>
+            </a:fld>
+            <a:endParaRPr lang="en-US"/>
+          </a:p>
+        </p:txBody>
+      </p:sp>
+    </p:spTree>
+    <p:extLst>
+      <p:ext uri="{BB962C8B-B14F-4D97-AF65-F5344CB8AC3E}">
+        <p14:creationId xmlns:p14="http://schemas.microsoft.com/office/powerpoint/2010/main" val="1725508205"/>
+      </p:ext>
+    </p:extLst>
+  </p:cSld>
+  <p:clrMapOvr>
+    <a:masterClrMapping/>
+  </p:clrMapOvr>
+</p:notes>
+</file>
+
+<file path=ppt/notesSlides/notesSlide5.xml><?xml version="1.0" encoding="utf-8"?>
+<p:notes xmlns:a="http://schemas.openxmlformats.org/drawingml/2006/main" xmlns:r="http://schemas.openxmlformats.org/officeDocument/2006/relationships" xmlns:p="http://schemas.openxmlformats.org/presentationml/2006/main">
+  <p:cSld>
+    <p:spTree>
+      <p:nvGrpSpPr>
+        <p:cNvPr id="1" name=""/>
+        <p:cNvGrpSpPr/>
+        <p:nvPr/>
+      </p:nvGrpSpPr>
+      <p:grpSpPr>
+        <a:xfrm>
+          <a:off x="0" y="0"/>
+          <a:ext cx="0" cy="0"/>
+          <a:chOff x="0" y="0"/>
+          <a:chExt cx="0" cy="0"/>
+        </a:xfrm>
+      </p:grpSpPr>
+      <p:sp>
+        <p:nvSpPr>
+          <p:cNvPr id="2" name="Slide Image Placeholder 1"/>
+          <p:cNvSpPr>
+            <a:spLocks noGrp="1" noRot="1" noChangeAspect="1"/>
+          </p:cNvSpPr>
+          <p:nvPr>
+            <p:ph type="sldImg"/>
+          </p:nvPr>
+        </p:nvSpPr>
+        <p:spPr/>
+      </p:sp>
+      <p:sp>
+        <p:nvSpPr>
+          <p:cNvPr id="3" name="Notes Placeholder 2"/>
+          <p:cNvSpPr>
+            <a:spLocks noGrp="1"/>
+          </p:cNvSpPr>
+          <p:nvPr>
+            <p:ph type="body" idx="1"/>
+          </p:nvPr>
+        </p:nvSpPr>
+        <p:spPr/>
+        <p:txBody>
+          <a:bodyPr/>
+          <a:lstStyle/>
+          <a:p>
+            <a:r>
+              <a:rPr lang="en-US" dirty="0"/>
+              <a:t>Jordan</a:t>
+            </a:r>
+          </a:p>
+        </p:txBody>
+      </p:sp>
+      <p:sp>
+        <p:nvSpPr>
+          <p:cNvPr id="4" name="Slide Number Placeholder 3"/>
+          <p:cNvSpPr>
+            <a:spLocks noGrp="1"/>
+          </p:cNvSpPr>
+          <p:nvPr>
+            <p:ph type="sldNum" sz="quarter" idx="5"/>
+          </p:nvPr>
+        </p:nvSpPr>
+        <p:spPr/>
+        <p:txBody>
+          <a:bodyPr/>
+          <a:lstStyle/>
+          <a:p>
+            <a:fld id="{434FA2CC-0372-2E4C-BE58-FCD0C3EB156F}" type="slidenum">
+              <a:rPr lang="en-US" smtClean="0"/>
+              <a:t>5</a:t>
+            </a:fld>
+            <a:endParaRPr lang="en-US"/>
+          </a:p>
+        </p:txBody>
+      </p:sp>
+    </p:spTree>
+    <p:extLst>
+      <p:ext uri="{BB962C8B-B14F-4D97-AF65-F5344CB8AC3E}">
+        <p14:creationId xmlns:p14="http://schemas.microsoft.com/office/powerpoint/2010/main" val="3192217009"/>
+      </p:ext>
+    </p:extLst>
+  </p:cSld>
+  <p:clrMapOvr>
+    <a:masterClrMapping/>
+  </p:clrMapOvr>
+</p:notes>
+</file>
+
+<file path=ppt/notesSlides/notesSlide6.xml><?xml version="1.0" encoding="utf-8"?>
+<p:notes xmlns:a="http://schemas.openxmlformats.org/drawingml/2006/main" xmlns:r="http://schemas.openxmlformats.org/officeDocument/2006/relationships" xmlns:p="http://schemas.openxmlformats.org/presentationml/2006/main">
+  <p:cSld>
+    <p:spTree>
+      <p:nvGrpSpPr>
+        <p:cNvPr id="1" name=""/>
+        <p:cNvGrpSpPr/>
+        <p:nvPr/>
+      </p:nvGrpSpPr>
+      <p:grpSpPr>
+        <a:xfrm>
+          <a:off x="0" y="0"/>
+          <a:ext cx="0" cy="0"/>
+          <a:chOff x="0" y="0"/>
+          <a:chExt cx="0" cy="0"/>
+        </a:xfrm>
+      </p:grpSpPr>
+      <p:sp>
+        <p:nvSpPr>
+          <p:cNvPr id="2" name="Slide Image Placeholder 1"/>
+          <p:cNvSpPr>
+            <a:spLocks noGrp="1" noRot="1" noChangeAspect="1"/>
+          </p:cNvSpPr>
+          <p:nvPr>
+            <p:ph type="sldImg"/>
+          </p:nvPr>
+        </p:nvSpPr>
+        <p:spPr/>
+      </p:sp>
+      <p:sp>
+        <p:nvSpPr>
+          <p:cNvPr id="3" name="Notes Placeholder 2"/>
+          <p:cNvSpPr>
+            <a:spLocks noGrp="1"/>
+          </p:cNvSpPr>
+          <p:nvPr>
+            <p:ph type="body" idx="1"/>
+          </p:nvPr>
+        </p:nvSpPr>
+        <p:spPr/>
+        <p:txBody>
+          <a:bodyPr/>
+          <a:lstStyle/>
+          <a:p>
+            <a:r>
+              <a:rPr lang="en-US" dirty="0"/>
+              <a:t>Sebastian</a:t>
+            </a:r>
+          </a:p>
+        </p:txBody>
+      </p:sp>
+      <p:sp>
+        <p:nvSpPr>
+          <p:cNvPr id="4" name="Slide Number Placeholder 3"/>
+          <p:cNvSpPr>
+            <a:spLocks noGrp="1"/>
+          </p:cNvSpPr>
+          <p:nvPr>
+            <p:ph type="sldNum" sz="quarter" idx="5"/>
+          </p:nvPr>
+        </p:nvSpPr>
+        <p:spPr/>
+        <p:txBody>
+          <a:bodyPr/>
+          <a:lstStyle/>
+          <a:p>
+            <a:fld id="{434FA2CC-0372-2E4C-BE58-FCD0C3EB156F}" type="slidenum">
+              <a:rPr lang="en-US" smtClean="0"/>
+              <a:t>6</a:t>
+            </a:fld>
+            <a:endParaRPr lang="en-US"/>
+          </a:p>
+        </p:txBody>
+      </p:sp>
+    </p:spTree>
+    <p:extLst>
+      <p:ext uri="{BB962C8B-B14F-4D97-AF65-F5344CB8AC3E}">
+        <p14:creationId xmlns:p14="http://schemas.microsoft.com/office/powerpoint/2010/main" val="657904516"/>
+      </p:ext>
+    </p:extLst>
+  </p:cSld>
+  <p:clrMapOvr>
+    <a:masterClrMapping/>
+  </p:clrMapOvr>
+</p:notes>
+</file>
+
+<file path=ppt/notesSlides/notesSlide7.xml><?xml version="1.0" encoding="utf-8"?>
+<p:notes xmlns:a="http://schemas.openxmlformats.org/drawingml/2006/main" xmlns:r="http://schemas.openxmlformats.org/officeDocument/2006/relationships" xmlns:p="http://schemas.openxmlformats.org/presentationml/2006/main">
+  <p:cSld>
+    <p:spTree>
+      <p:nvGrpSpPr>
+        <p:cNvPr id="1" name=""/>
+        <p:cNvGrpSpPr/>
+        <p:nvPr/>
+      </p:nvGrpSpPr>
+      <p:grpSpPr>
+        <a:xfrm>
+          <a:off x="0" y="0"/>
+          <a:ext cx="0" cy="0"/>
+          <a:chOff x="0" y="0"/>
+          <a:chExt cx="0" cy="0"/>
+        </a:xfrm>
+      </p:grpSpPr>
+      <p:sp>
+        <p:nvSpPr>
+          <p:cNvPr id="2" name="Slide Image Placeholder 1"/>
+          <p:cNvSpPr>
+            <a:spLocks noGrp="1" noRot="1" noChangeAspect="1"/>
+          </p:cNvSpPr>
+          <p:nvPr>
+            <p:ph type="sldImg"/>
+          </p:nvPr>
+        </p:nvSpPr>
+        <p:spPr/>
+      </p:sp>
+      <p:sp>
+        <p:nvSpPr>
+          <p:cNvPr id="3" name="Notes Placeholder 2"/>
+          <p:cNvSpPr>
+            <a:spLocks noGrp="1"/>
+          </p:cNvSpPr>
+          <p:nvPr>
+            <p:ph type="body" idx="1"/>
+          </p:nvPr>
+        </p:nvSpPr>
+        <p:spPr/>
+        <p:txBody>
+          <a:bodyPr/>
+          <a:lstStyle/>
+          <a:p>
+            <a:r>
+              <a:rPr lang="en-US" dirty="0"/>
+              <a:t>Jordan</a:t>
+            </a:r>
+          </a:p>
+        </p:txBody>
+      </p:sp>
+      <p:sp>
+        <p:nvSpPr>
+          <p:cNvPr id="4" name="Slide Number Placeholder 3"/>
+          <p:cNvSpPr>
+            <a:spLocks noGrp="1"/>
+          </p:cNvSpPr>
+          <p:nvPr>
+            <p:ph type="sldNum" sz="quarter" idx="5"/>
+          </p:nvPr>
+        </p:nvSpPr>
+        <p:spPr/>
+        <p:txBody>
+          <a:bodyPr/>
+          <a:lstStyle/>
+          <a:p>
+            <a:fld id="{434FA2CC-0372-2E4C-BE58-FCD0C3EB156F}" type="slidenum">
+              <a:rPr lang="en-US" smtClean="0"/>
+              <a:t>7</a:t>
+            </a:fld>
+            <a:endParaRPr lang="en-US"/>
+          </a:p>
+        </p:txBody>
+      </p:sp>
+    </p:spTree>
+    <p:extLst>
+      <p:ext uri="{BB962C8B-B14F-4D97-AF65-F5344CB8AC3E}">
+        <p14:creationId xmlns:p14="http://schemas.microsoft.com/office/powerpoint/2010/main" val="177269916"/>
+      </p:ext>
+    </p:extLst>
+  </p:cSld>
+  <p:clrMapOvr>
+    <a:masterClrMapping/>
+  </p:clrMapOvr>
+</p:notes>
+</file>
+
+<file path=ppt/notesSlides/notesSlide8.xml><?xml version="1.0" encoding="utf-8"?>
+<p:notes xmlns:a="http://schemas.openxmlformats.org/drawingml/2006/main" xmlns:r="http://schemas.openxmlformats.org/officeDocument/2006/relationships" xmlns:p="http://schemas.openxmlformats.org/presentationml/2006/main">
+  <p:cSld>
+    <p:spTree>
+      <p:nvGrpSpPr>
+        <p:cNvPr id="1" name=""/>
+        <p:cNvGrpSpPr/>
+        <p:nvPr/>
+      </p:nvGrpSpPr>
+      <p:grpSpPr>
+        <a:xfrm>
+          <a:off x="0" y="0"/>
+          <a:ext cx="0" cy="0"/>
+          <a:chOff x="0" y="0"/>
+          <a:chExt cx="0" cy="0"/>
+        </a:xfrm>
+      </p:grpSpPr>
+      <p:sp>
+        <p:nvSpPr>
+          <p:cNvPr id="2" name="Slide Image Placeholder 1"/>
+          <p:cNvSpPr>
+            <a:spLocks noGrp="1" noRot="1" noChangeAspect="1"/>
+          </p:cNvSpPr>
+          <p:nvPr>
+            <p:ph type="sldImg"/>
+          </p:nvPr>
+        </p:nvSpPr>
+        <p:spPr/>
+      </p:sp>
+      <p:sp>
+        <p:nvSpPr>
+          <p:cNvPr id="3" name="Notes Placeholder 2"/>
+          <p:cNvSpPr>
+            <a:spLocks noGrp="1"/>
+          </p:cNvSpPr>
+          <p:nvPr>
+            <p:ph type="body" idx="1"/>
+          </p:nvPr>
+        </p:nvSpPr>
+        <p:spPr/>
+        <p:txBody>
+          <a:bodyPr/>
+          <a:lstStyle/>
+          <a:p>
+            <a:r>
+              <a:rPr lang="en-US" dirty="0"/>
+              <a:t>Sebastian</a:t>
+            </a:r>
+          </a:p>
+        </p:txBody>
+      </p:sp>
+      <p:sp>
+        <p:nvSpPr>
+          <p:cNvPr id="4" name="Slide Number Placeholder 3"/>
+          <p:cNvSpPr>
+            <a:spLocks noGrp="1"/>
+          </p:cNvSpPr>
+          <p:nvPr>
+            <p:ph type="sldNum" sz="quarter" idx="5"/>
+          </p:nvPr>
+        </p:nvSpPr>
+        <p:spPr/>
+        <p:txBody>
+          <a:bodyPr/>
+          <a:lstStyle/>
+          <a:p>
+            <a:fld id="{434FA2CC-0372-2E4C-BE58-FCD0C3EB156F}" type="slidenum">
+              <a:rPr lang="en-US" smtClean="0"/>
+              <a:t>8</a:t>
+            </a:fld>
+            <a:endParaRPr lang="en-US"/>
+          </a:p>
+        </p:txBody>
+      </p:sp>
+    </p:spTree>
+    <p:extLst>
+      <p:ext uri="{BB962C8B-B14F-4D97-AF65-F5344CB8AC3E}">
+        <p14:creationId xmlns:p14="http://schemas.microsoft.com/office/powerpoint/2010/main" val="1608310803"/>
+      </p:ext>
+    </p:extLst>
+  </p:cSld>
+  <p:clrMapOvr>
+    <a:masterClrMapping/>
+  </p:clrMapOvr>
+</p:notes>
+</file>
+
+<file path=ppt/notesSlides/notesSlide9.xml><?xml version="1.0" encoding="utf-8"?>
+<p:notes xmlns:a="http://schemas.openxmlformats.org/drawingml/2006/main" xmlns:r="http://schemas.openxmlformats.org/officeDocument/2006/relationships" xmlns:p="http://schemas.openxmlformats.org/presentationml/2006/main">
+  <p:cSld>
+    <p:spTree>
+      <p:nvGrpSpPr>
+        <p:cNvPr id="1" name=""/>
+        <p:cNvGrpSpPr/>
+        <p:nvPr/>
+      </p:nvGrpSpPr>
+      <p:grpSpPr>
+        <a:xfrm>
+          <a:off x="0" y="0"/>
+          <a:ext cx="0" cy="0"/>
+          <a:chOff x="0" y="0"/>
+          <a:chExt cx="0" cy="0"/>
+        </a:xfrm>
+      </p:grpSpPr>
+      <p:sp>
+        <p:nvSpPr>
+          <p:cNvPr id="2" name="Slide Image Placeholder 1"/>
+          <p:cNvSpPr>
+            <a:spLocks noGrp="1" noRot="1" noChangeAspect="1"/>
+          </p:cNvSpPr>
+          <p:nvPr>
+            <p:ph type="sldImg"/>
+          </p:nvPr>
+        </p:nvSpPr>
+        <p:spPr/>
+      </p:sp>
+      <p:sp>
+        <p:nvSpPr>
+          <p:cNvPr id="3" name="Notes Placeholder 2"/>
+          <p:cNvSpPr>
+            <a:spLocks noGrp="1"/>
+          </p:cNvSpPr>
+          <p:nvPr>
+            <p:ph type="body" idx="1"/>
+          </p:nvPr>
+        </p:nvSpPr>
+        <p:spPr/>
+        <p:txBody>
+          <a:bodyPr/>
+          <a:lstStyle/>
+          <a:p>
+            <a:r>
+              <a:rPr lang="en-US" dirty="0"/>
+              <a:t>Sebastian</a:t>
+            </a:r>
+          </a:p>
+        </p:txBody>
+      </p:sp>
+      <p:sp>
+        <p:nvSpPr>
+          <p:cNvPr id="4" name="Slide Number Placeholder 3"/>
+          <p:cNvSpPr>
+            <a:spLocks noGrp="1"/>
+          </p:cNvSpPr>
+          <p:nvPr>
+            <p:ph type="sldNum" sz="quarter" idx="5"/>
+          </p:nvPr>
+        </p:nvSpPr>
+        <p:spPr/>
+        <p:txBody>
+          <a:bodyPr/>
+          <a:lstStyle/>
+          <a:p>
+            <a:fld id="{434FA2CC-0372-2E4C-BE58-FCD0C3EB156F}" type="slidenum">
+              <a:rPr lang="en-US" smtClean="0"/>
+              <a:t>9</a:t>
+            </a:fld>
+            <a:endParaRPr lang="en-US"/>
+          </a:p>
+        </p:txBody>
+      </p:sp>
+    </p:spTree>
+    <p:extLst>
+      <p:ext uri="{BB962C8B-B14F-4D97-AF65-F5344CB8AC3E}">
+        <p14:creationId xmlns:p14="http://schemas.microsoft.com/office/powerpoint/2010/main" val="4079034145"/>
       </p:ext>
     </p:extLst>
   </p:cSld>
@@ -8209,7 +9342,7 @@
           </p:nvPr>
         </p:nvPicPr>
         <p:blipFill>
-          <a:blip r:embed="rId4"/>
+          <a:blip r:embed="rId5"/>
           <a:stretch>
             <a:fillRect/>
           </a:stretch>
@@ -8370,552 +9503,6 @@
 </file>
 
 <file path=ppt/slides/slide15.xml><?xml version="1.0" encoding="utf-8"?>
-<p:sld xmlns:a="http://schemas.openxmlformats.org/drawingml/2006/main" xmlns:r="http://schemas.openxmlformats.org/officeDocument/2006/relationships" xmlns:p="http://schemas.openxmlformats.org/presentationml/2006/main">
-  <p:cSld>
-    <p:bg>
-      <p:bgPr>
-        <a:solidFill>
-          <a:schemeClr val="bg1"/>
-        </a:solidFill>
-        <a:effectLst/>
-      </p:bgPr>
-    </p:bg>
-    <p:spTree>
-      <p:nvGrpSpPr>
-        <p:cNvPr id="1" name="">
-          <a:extLst>
-            <a:ext uri="{FF2B5EF4-FFF2-40B4-BE49-F238E27FC236}">
-              <a16:creationId xmlns:a16="http://schemas.microsoft.com/office/drawing/2014/main" id="{4E4FFE99-7845-F5B7-FB4E-E6E1D605B5DB}"/>
-            </a:ext>
-          </a:extLst>
-        </p:cNvPr>
-        <p:cNvGrpSpPr/>
-        <p:nvPr/>
-      </p:nvGrpSpPr>
-      <p:grpSpPr>
-        <a:xfrm>
-          <a:off x="0" y="0"/>
-          <a:ext cx="0" cy="0"/>
-          <a:chOff x="0" y="0"/>
-          <a:chExt cx="0" cy="0"/>
-        </a:xfrm>
-      </p:grpSpPr>
-      <p:sp>
-        <p:nvSpPr>
-          <p:cNvPr id="9" name="Rectangle 8">
-            <a:extLst>
-              <a:ext uri="{FF2B5EF4-FFF2-40B4-BE49-F238E27FC236}">
-                <a16:creationId xmlns:a16="http://schemas.microsoft.com/office/drawing/2014/main" id="{87D8DF3B-8486-9463-A218-339FA696D5DB}"/>
-              </a:ext>
-              <a:ext uri="{C183D7F6-B498-43B3-948B-1728B52AA6E4}">
-                <adec:decorative xmlns:adec="http://schemas.microsoft.com/office/drawing/2017/decorative" val="1"/>
-              </a:ext>
-            </a:extLst>
-          </p:cNvPr>
-          <p:cNvSpPr>
-            <a:spLocks noGrp="1" noRot="1" noChangeAspect="1" noMove="1" noResize="1" noEditPoints="1" noAdjustHandles="1" noChangeArrowheads="1" noChangeShapeType="1" noTextEdit="1"/>
-          </p:cNvSpPr>
-          <p:nvPr>
-            <p:extLst>
-              <p:ext uri="{386F3935-93C4-4BCD-93E2-E3B085C9AB24}">
-                <p16:designElem xmlns:p16="http://schemas.microsoft.com/office/powerpoint/2015/main" val="1"/>
-              </p:ext>
-            </p:extLst>
-          </p:nvPr>
-        </p:nvSpPr>
-        <p:spPr>
-          <a:xfrm>
-            <a:off x="0" y="0"/>
-            <a:ext cx="4059050" cy="6858000"/>
-          </a:xfrm>
-          <a:prstGeom prst="rect">
-            <a:avLst/>
-          </a:prstGeom>
-          <a:solidFill>
-            <a:srgbClr val="404040"/>
-          </a:solidFill>
-          <a:ln>
-            <a:noFill/>
-          </a:ln>
-        </p:spPr>
-        <p:style>
-          <a:lnRef idx="2">
-            <a:schemeClr val="accent1">
-              <a:shade val="50000"/>
-            </a:schemeClr>
-          </a:lnRef>
-          <a:fillRef idx="1">
-            <a:schemeClr val="accent1"/>
-          </a:fillRef>
-          <a:effectRef idx="0">
-            <a:schemeClr val="accent1"/>
-          </a:effectRef>
-          <a:fontRef idx="minor">
-            <a:schemeClr val="lt1"/>
-          </a:fontRef>
-        </p:style>
-        <p:txBody>
-          <a:bodyPr rtlCol="0" anchor="ctr"/>
-          <a:lstStyle/>
-          <a:p>
-            <a:pPr marL="0" marR="0" lvl="0" indent="0" algn="ctr" defTabSz="914400" rtl="0" eaLnBrk="1" fontAlgn="auto" latinLnBrk="0" hangingPunct="1">
-              <a:lnSpc>
-                <a:spcPct val="100000"/>
-              </a:lnSpc>
-              <a:spcBef>
-                <a:spcPts val="0"/>
-              </a:spcBef>
-              <a:spcAft>
-                <a:spcPts val="0"/>
-              </a:spcAft>
-              <a:buClrTx/>
-              <a:buSzTx/>
-              <a:buFontTx/>
-              <a:buNone/>
-              <a:tabLst/>
-              <a:defRPr/>
-            </a:pPr>
-            <a:endParaRPr kumimoji="0" lang="en-US" sz="1800" b="0" i="0" u="none" strike="noStrike" kern="1200" cap="none" spc="0" normalizeH="0" baseline="0" noProof="0">
-              <a:ln>
-                <a:noFill/>
-              </a:ln>
-              <a:solidFill>
-                <a:prstClr val="white"/>
-              </a:solidFill>
-              <a:effectLst/>
-              <a:uLnTx/>
-              <a:uFillTx/>
-              <a:latin typeface="Calibri" panose="020F0502020204030204"/>
-              <a:ea typeface="+mn-ea"/>
-              <a:cs typeface="+mn-cs"/>
-            </a:endParaRPr>
-          </a:p>
-        </p:txBody>
-      </p:sp>
-      <p:sp>
-        <p:nvSpPr>
-          <p:cNvPr id="2" name="Title 1">
-            <a:extLst>
-              <a:ext uri="{FF2B5EF4-FFF2-40B4-BE49-F238E27FC236}">
-                <a16:creationId xmlns:a16="http://schemas.microsoft.com/office/drawing/2014/main" id="{B6DB4ADC-BD83-1692-E5C4-C6ED4AC0655E}"/>
-              </a:ext>
-            </a:extLst>
-          </p:cNvPr>
-          <p:cNvSpPr>
-            <a:spLocks noGrp="1"/>
-          </p:cNvSpPr>
-          <p:nvPr>
-            <p:ph type="title"/>
-          </p:nvPr>
-        </p:nvSpPr>
-        <p:spPr>
-          <a:xfrm>
-            <a:off x="838200" y="1412488"/>
-            <a:ext cx="2899189" cy="4363844"/>
-          </a:xfrm>
-        </p:spPr>
-        <p:txBody>
-          <a:bodyPr vert="horz" lIns="91440" tIns="45720" rIns="91440" bIns="45720" rtlCol="0" anchor="t">
-            <a:normAutofit/>
-          </a:bodyPr>
-          <a:lstStyle/>
-          <a:p>
-            <a:r>
-              <a:rPr lang="en-US" sz="4000" kern="1200" dirty="0">
-                <a:solidFill>
-                  <a:srgbClr val="FFFFFF"/>
-                </a:solidFill>
-                <a:latin typeface="+mj-lt"/>
-                <a:ea typeface="+mj-ea"/>
-                <a:cs typeface="+mj-cs"/>
-              </a:rPr>
-              <a:t>Razor Mouse</a:t>
-            </a:r>
-          </a:p>
-        </p:txBody>
-      </p:sp>
-      <p:sp>
-        <p:nvSpPr>
-          <p:cNvPr id="3" name="Content Placeholder 2">
-            <a:extLst>
-              <a:ext uri="{FF2B5EF4-FFF2-40B4-BE49-F238E27FC236}">
-                <a16:creationId xmlns:a16="http://schemas.microsoft.com/office/drawing/2014/main" id="{0CA0261F-967C-596F-B2DD-683065BD10E9}"/>
-              </a:ext>
-            </a:extLst>
-          </p:cNvPr>
-          <p:cNvSpPr>
-            <a:spLocks noGrp="1"/>
-          </p:cNvSpPr>
-          <p:nvPr>
-            <p:ph idx="1"/>
-          </p:nvPr>
-        </p:nvSpPr>
-        <p:spPr>
-          <a:xfrm>
-            <a:off x="4380855" y="1412489"/>
-            <a:ext cx="3427283" cy="4363844"/>
-          </a:xfrm>
-        </p:spPr>
-        <p:txBody>
-          <a:bodyPr vert="horz" lIns="91440" tIns="45720" rIns="91440" bIns="45720" rtlCol="0">
-            <a:normAutofit lnSpcReduction="10000"/>
-          </a:bodyPr>
-          <a:lstStyle/>
-          <a:p>
-            <a:r>
-              <a:rPr lang="en-US" sz="2000" b="1" dirty="0"/>
-              <a:t>00000000fbfffdff</a:t>
-            </a:r>
-          </a:p>
-          <a:p>
-            <a:r>
-              <a:rPr lang="en-US" sz="2000" b="1" dirty="0"/>
-              <a:t>00000000f3fff7ff</a:t>
-            </a:r>
-          </a:p>
-          <a:p>
-            <a:r>
-              <a:rPr lang="en-US" sz="2000" b="1" dirty="0"/>
-              <a:t>00000000f0fff4ff</a:t>
-            </a:r>
-          </a:p>
-          <a:p>
-            <a:r>
-              <a:rPr lang="en-US" sz="2000" b="1" dirty="0"/>
-              <a:t>00000000eefff2ff</a:t>
-            </a:r>
-          </a:p>
-          <a:p>
-            <a:r>
-              <a:rPr lang="en-US" sz="2000" b="1" dirty="0"/>
-              <a:t>00000000edfff3ff</a:t>
-            </a:r>
-          </a:p>
-          <a:p>
-            <a:r>
-              <a:rPr lang="en-US" sz="2000" b="1" dirty="0"/>
-              <a:t>00000000eefff6ff</a:t>
-            </a:r>
-          </a:p>
-          <a:p>
-            <a:r>
-              <a:rPr lang="en-US" sz="2000" b="1" dirty="0"/>
-              <a:t>00000000f0fff9ff</a:t>
-            </a:r>
-          </a:p>
-          <a:p>
-            <a:r>
-              <a:rPr lang="en-US" sz="2000" b="1" dirty="0"/>
-              <a:t>00000000effffbff</a:t>
-            </a:r>
-          </a:p>
-          <a:p>
-            <a:r>
-              <a:rPr lang="en-US" sz="2000" b="1" dirty="0"/>
-              <a:t>00000000f2fffeff</a:t>
-            </a:r>
-          </a:p>
-          <a:p>
-            <a:r>
-              <a:rPr lang="en-US" sz="2000" b="1" dirty="0"/>
-              <a:t>00000000f0ffffff</a:t>
-            </a:r>
-          </a:p>
-          <a:p>
-            <a:r>
-              <a:rPr lang="en-US" sz="2000" b="1" dirty="0"/>
-              <a:t>00000000f6ff0000</a:t>
-            </a:r>
-            <a:endParaRPr lang="en-US" sz="2000" dirty="0"/>
-          </a:p>
-        </p:txBody>
-      </p:sp>
-      <p:cxnSp>
-        <p:nvCxnSpPr>
-          <p:cNvPr id="11" name="Straight Connector 10">
-            <a:extLst>
-              <a:ext uri="{FF2B5EF4-FFF2-40B4-BE49-F238E27FC236}">
-                <a16:creationId xmlns:a16="http://schemas.microsoft.com/office/drawing/2014/main" id="{9AA73854-55AE-ACCD-7BCB-53B17DF1191C}"/>
-              </a:ext>
-              <a:ext uri="{C183D7F6-B498-43B3-948B-1728B52AA6E4}">
-                <adec:decorative xmlns:adec="http://schemas.microsoft.com/office/drawing/2017/decorative" val="1"/>
-              </a:ext>
-            </a:extLst>
-          </p:cNvPr>
-          <p:cNvCxnSpPr>
-            <a:cxnSpLocks noGrp="1" noRot="1" noChangeAspect="1" noMove="1" noResize="1" noEditPoints="1" noAdjustHandles="1" noChangeArrowheads="1" noChangeShapeType="1"/>
-          </p:cNvCxnSpPr>
-          <p:nvPr>
-            <p:extLst>
-              <p:ext uri="{386F3935-93C4-4BCD-93E2-E3B085C9AB24}">
-                <p16:designElem xmlns:p16="http://schemas.microsoft.com/office/powerpoint/2015/main" val="1"/>
-              </p:ext>
-            </p:extLst>
-          </p:nvPr>
-        </p:nvCxnSpPr>
-        <p:spPr>
-          <a:xfrm>
-            <a:off x="8129871" y="1412488"/>
-            <a:ext cx="0" cy="3657600"/>
-          </a:xfrm>
-          <a:prstGeom prst="line">
-            <a:avLst/>
-          </a:prstGeom>
-          <a:ln w="12700">
-            <a:solidFill>
-              <a:schemeClr val="tx1">
-                <a:lumMod val="50000"/>
-                <a:lumOff val="50000"/>
-              </a:schemeClr>
-            </a:solidFill>
-          </a:ln>
-        </p:spPr>
-        <p:style>
-          <a:lnRef idx="1">
-            <a:schemeClr val="accent1"/>
-          </a:lnRef>
-          <a:fillRef idx="0">
-            <a:schemeClr val="accent1"/>
-          </a:fillRef>
-          <a:effectRef idx="0">
-            <a:schemeClr val="accent1"/>
-          </a:effectRef>
-          <a:fontRef idx="minor">
-            <a:schemeClr val="tx1"/>
-          </a:fontRef>
-        </p:style>
-      </p:cxnSp>
-      <p:sp>
-        <p:nvSpPr>
-          <p:cNvPr id="4" name="Content Placeholder 2">
-            <a:extLst>
-              <a:ext uri="{FF2B5EF4-FFF2-40B4-BE49-F238E27FC236}">
-                <a16:creationId xmlns:a16="http://schemas.microsoft.com/office/drawing/2014/main" id="{0517952B-90A0-56D1-3853-937DD0F87BB4}"/>
-              </a:ext>
-            </a:extLst>
-          </p:cNvPr>
-          <p:cNvSpPr txBox="1">
-            <a:spLocks/>
-          </p:cNvSpPr>
-          <p:nvPr/>
-        </p:nvSpPr>
-        <p:spPr>
-          <a:xfrm>
-            <a:off x="8451604" y="1412489"/>
-            <a:ext cx="3197701" cy="4363844"/>
-          </a:xfrm>
-          <a:prstGeom prst="rect">
-            <a:avLst/>
-          </a:prstGeom>
-        </p:spPr>
-        <p:txBody>
-          <a:bodyPr vert="horz" lIns="91440" tIns="45720" rIns="91440" bIns="45720" rtlCol="0">
-            <a:normAutofit/>
-          </a:bodyPr>
-          <a:lstStyle>
-            <a:lvl1pPr marL="228600" indent="-228600" algn="l" defTabSz="914400" rtl="0" eaLnBrk="1" latinLnBrk="0" hangingPunct="1">
-              <a:lnSpc>
-                <a:spcPct val="90000"/>
-              </a:lnSpc>
-              <a:spcBef>
-                <a:spcPts val="1000"/>
-              </a:spcBef>
-              <a:buFont typeface="Arial" panose="020B0604020202020204" pitchFamily="34" charset="0"/>
-              <a:buChar char="•"/>
-              <a:defRPr sz="2800" kern="1200">
-                <a:solidFill>
-                  <a:schemeClr val="tx1"/>
-                </a:solidFill>
-                <a:latin typeface="+mn-lt"/>
-                <a:ea typeface="+mn-ea"/>
-                <a:cs typeface="+mn-cs"/>
-              </a:defRPr>
-            </a:lvl1pPr>
-            <a:lvl2pPr marL="685800" indent="-228600" algn="l" defTabSz="914400" rtl="0" eaLnBrk="1" latinLnBrk="0" hangingPunct="1">
-              <a:lnSpc>
-                <a:spcPct val="90000"/>
-              </a:lnSpc>
-              <a:spcBef>
-                <a:spcPts val="500"/>
-              </a:spcBef>
-              <a:buFont typeface="Arial" panose="020B0604020202020204" pitchFamily="34" charset="0"/>
-              <a:buChar char="•"/>
-              <a:defRPr sz="2400" kern="1200">
-                <a:solidFill>
-                  <a:schemeClr val="tx1"/>
-                </a:solidFill>
-                <a:latin typeface="+mn-lt"/>
-                <a:ea typeface="+mn-ea"/>
-                <a:cs typeface="+mn-cs"/>
-              </a:defRPr>
-            </a:lvl2pPr>
-            <a:lvl3pPr marL="1143000" indent="-228600" algn="l" defTabSz="914400" rtl="0" eaLnBrk="1" latinLnBrk="0" hangingPunct="1">
-              <a:lnSpc>
-                <a:spcPct val="90000"/>
-              </a:lnSpc>
-              <a:spcBef>
-                <a:spcPts val="500"/>
-              </a:spcBef>
-              <a:buFont typeface="Arial" panose="020B0604020202020204" pitchFamily="34" charset="0"/>
-              <a:buChar char="•"/>
-              <a:defRPr sz="2000" kern="1200">
-                <a:solidFill>
-                  <a:schemeClr val="tx1"/>
-                </a:solidFill>
-                <a:latin typeface="+mn-lt"/>
-                <a:ea typeface="+mn-ea"/>
-                <a:cs typeface="+mn-cs"/>
-              </a:defRPr>
-            </a:lvl3pPr>
-            <a:lvl4pPr marL="1600200" indent="-228600" algn="l" defTabSz="914400" rtl="0" eaLnBrk="1" latinLnBrk="0" hangingPunct="1">
-              <a:lnSpc>
-                <a:spcPct val="90000"/>
-              </a:lnSpc>
-              <a:spcBef>
-                <a:spcPts val="500"/>
-              </a:spcBef>
-              <a:buFont typeface="Arial" panose="020B0604020202020204" pitchFamily="34" charset="0"/>
-              <a:buChar char="•"/>
-              <a:defRPr sz="1800" kern="1200">
-                <a:solidFill>
-                  <a:schemeClr val="tx1"/>
-                </a:solidFill>
-                <a:latin typeface="+mn-lt"/>
-                <a:ea typeface="+mn-ea"/>
-                <a:cs typeface="+mn-cs"/>
-              </a:defRPr>
-            </a:lvl4pPr>
-            <a:lvl5pPr marL="2057400" indent="-228600" algn="l" defTabSz="914400" rtl="0" eaLnBrk="1" latinLnBrk="0" hangingPunct="1">
-              <a:lnSpc>
-                <a:spcPct val="90000"/>
-              </a:lnSpc>
-              <a:spcBef>
-                <a:spcPts val="500"/>
-              </a:spcBef>
-              <a:buFont typeface="Arial" panose="020B0604020202020204" pitchFamily="34" charset="0"/>
-              <a:buChar char="•"/>
-              <a:defRPr sz="1800" kern="1200">
-                <a:solidFill>
-                  <a:schemeClr val="tx1"/>
-                </a:solidFill>
-                <a:latin typeface="+mn-lt"/>
-                <a:ea typeface="+mn-ea"/>
-                <a:cs typeface="+mn-cs"/>
-              </a:defRPr>
-            </a:lvl5pPr>
-            <a:lvl6pPr marL="2514600" indent="-228600" algn="l" defTabSz="914400" rtl="0" eaLnBrk="1" latinLnBrk="0" hangingPunct="1">
-              <a:lnSpc>
-                <a:spcPct val="90000"/>
-              </a:lnSpc>
-              <a:spcBef>
-                <a:spcPts val="500"/>
-              </a:spcBef>
-              <a:buFont typeface="Arial" panose="020B0604020202020204" pitchFamily="34" charset="0"/>
-              <a:buChar char="•"/>
-              <a:defRPr sz="1800" kern="1200">
-                <a:solidFill>
-                  <a:schemeClr val="tx1"/>
-                </a:solidFill>
-                <a:latin typeface="+mn-lt"/>
-                <a:ea typeface="+mn-ea"/>
-                <a:cs typeface="+mn-cs"/>
-              </a:defRPr>
-            </a:lvl6pPr>
-            <a:lvl7pPr marL="2971800" indent="-228600" algn="l" defTabSz="914400" rtl="0" eaLnBrk="1" latinLnBrk="0" hangingPunct="1">
-              <a:lnSpc>
-                <a:spcPct val="90000"/>
-              </a:lnSpc>
-              <a:spcBef>
-                <a:spcPts val="500"/>
-              </a:spcBef>
-              <a:buFont typeface="Arial" panose="020B0604020202020204" pitchFamily="34" charset="0"/>
-              <a:buChar char="•"/>
-              <a:defRPr sz="1800" kern="1200">
-                <a:solidFill>
-                  <a:schemeClr val="tx1"/>
-                </a:solidFill>
-                <a:latin typeface="+mn-lt"/>
-                <a:ea typeface="+mn-ea"/>
-                <a:cs typeface="+mn-cs"/>
-              </a:defRPr>
-            </a:lvl7pPr>
-            <a:lvl8pPr marL="3429000" indent="-228600" algn="l" defTabSz="914400" rtl="0" eaLnBrk="1" latinLnBrk="0" hangingPunct="1">
-              <a:lnSpc>
-                <a:spcPct val="90000"/>
-              </a:lnSpc>
-              <a:spcBef>
-                <a:spcPts val="500"/>
-              </a:spcBef>
-              <a:buFont typeface="Arial" panose="020B0604020202020204" pitchFamily="34" charset="0"/>
-              <a:buChar char="•"/>
-              <a:defRPr sz="1800" kern="1200">
-                <a:solidFill>
-                  <a:schemeClr val="tx1"/>
-                </a:solidFill>
-                <a:latin typeface="+mn-lt"/>
-                <a:ea typeface="+mn-ea"/>
-                <a:cs typeface="+mn-cs"/>
-              </a:defRPr>
-            </a:lvl8pPr>
-            <a:lvl9pPr marL="3886200" indent="-228600" algn="l" defTabSz="914400" rtl="0" eaLnBrk="1" latinLnBrk="0" hangingPunct="1">
-              <a:lnSpc>
-                <a:spcPct val="90000"/>
-              </a:lnSpc>
-              <a:spcBef>
-                <a:spcPts val="500"/>
-              </a:spcBef>
-              <a:buFont typeface="Arial" panose="020B0604020202020204" pitchFamily="34" charset="0"/>
-              <a:buChar char="•"/>
-              <a:defRPr sz="1800" kern="1200">
-                <a:solidFill>
-                  <a:schemeClr val="tx1"/>
-                </a:solidFill>
-                <a:latin typeface="+mn-lt"/>
-                <a:ea typeface="+mn-ea"/>
-                <a:cs typeface="+mn-cs"/>
-              </a:defRPr>
-            </a:lvl9pPr>
-          </a:lstStyle>
-          <a:p>
-            <a:r>
-              <a:rPr lang="en-US" sz="2000" dirty="0"/>
-              <a:t>Byte[5] – </a:t>
-            </a:r>
-          </a:p>
-          <a:p>
-            <a:r>
-              <a:rPr lang="en-US" sz="2000" dirty="0"/>
-              <a:t>Byte[6] – </a:t>
-            </a:r>
-          </a:p>
-          <a:p>
-            <a:r>
-              <a:rPr lang="en-US" sz="2000" dirty="0"/>
-              <a:t>Byte[7] –</a:t>
-            </a:r>
-          </a:p>
-          <a:p>
-            <a:r>
-              <a:rPr lang="en-US" sz="2000" dirty="0"/>
-              <a:t>Byte[8] -  </a:t>
-            </a:r>
-          </a:p>
-        </p:txBody>
-      </p:sp>
-    </p:spTree>
-    <p:extLst>
-      <p:ext uri="{BB962C8B-B14F-4D97-AF65-F5344CB8AC3E}">
-        <p14:creationId xmlns:p14="http://schemas.microsoft.com/office/powerpoint/2010/main" val="1971244932"/>
-      </p:ext>
-    </p:extLst>
-  </p:cSld>
-  <p:clrMapOvr>
-    <a:masterClrMapping/>
-  </p:clrMapOvr>
-</p:sld>
-</file>
-
-<file path=ppt/slides/slide16.xml><?xml version="1.0" encoding="utf-8"?>
 <p:sld xmlns:a="http://schemas.openxmlformats.org/drawingml/2006/main" xmlns:r="http://schemas.openxmlformats.org/officeDocument/2006/relationships" xmlns:p="http://schemas.openxmlformats.org/presentationml/2006/main">
   <p:cSld>
     <p:bg>
@@ -10317,7 +10904,7 @@
           </p:nvPr>
         </p:nvPicPr>
         <p:blipFill>
-          <a:blip r:embed="rId2">
+          <a:blip r:embed="rId3">
             <a:extLst>
               <a:ext uri="{28A0092B-C50C-407E-A947-70E740481C1C}">
                 <a14:useLocalDpi xmlns:a14="http://schemas.microsoft.com/office/drawing/2010/main"/>
@@ -10498,7 +11085,7 @@
           </p:nvPr>
         </p:nvPicPr>
         <p:blipFill>
-          <a:blip r:embed="rId2"/>
+          <a:blip r:embed="rId3"/>
           <a:stretch>
             <a:fillRect/>
           </a:stretch>
@@ -10680,7 +11267,7 @@
           </p:nvPr>
         </p:nvPicPr>
         <p:blipFill>
-          <a:blip r:embed="rId2"/>
+          <a:blip r:embed="rId3"/>
           <a:stretch>
             <a:fillRect/>
           </a:stretch>
@@ -10860,15 +11447,14 @@
           <p:nvPr/>
         </p:nvPicPr>
         <p:blipFill>
-          <a:blip r:embed="rId2"/>
-          <a:stretch>
-            <a:fillRect/>
-          </a:stretch>
+          <a:blip r:embed="rId3"/>
+          <a:srcRect t="40378" r="51604"/>
+          <a:stretch/>
         </p:blipFill>
         <p:spPr>
           <a:xfrm>
-            <a:off x="2562380" y="1720947"/>
-            <a:ext cx="6683192" cy="4394199"/>
+            <a:off x="2923736" y="1550413"/>
+            <a:ext cx="6344528" cy="5139149"/>
           </a:xfrm>
           <a:prstGeom prst="rect">
             <a:avLst/>
@@ -11040,7 +11626,7 @@
           <p:nvPr/>
         </p:nvPicPr>
         <p:blipFill>
-          <a:blip r:embed="rId2"/>
+          <a:blip r:embed="rId3"/>
           <a:stretch>
             <a:fillRect/>
           </a:stretch>
@@ -11986,7 +12572,7 @@
           <p:nvPr/>
         </p:nvPicPr>
         <p:blipFill>
-          <a:blip r:embed="rId2">
+          <a:blip r:embed="rId3">
             <a:extLst>
               <a:ext uri="{28A0092B-C50C-407E-A947-70E740481C1C}">
                 <a14:useLocalDpi xmlns:a14="http://schemas.microsoft.com/office/drawing/2010/main"/>
@@ -12440,7 +13026,7 @@
           </p:nvPr>
         </p:nvPicPr>
         <p:blipFill>
-          <a:blip r:embed="rId2"/>
+          <a:blip r:embed="rId3"/>
           <a:stretch>
             <a:fillRect/>
           </a:stretch>
@@ -12470,7 +13056,7 @@
           <p:nvPr/>
         </p:nvPicPr>
         <p:blipFill>
-          <a:blip r:embed="rId3"/>
+          <a:blip r:embed="rId4"/>
           <a:stretch>
             <a:fillRect/>
           </a:stretch>

--- a/Presentation.pptx
+++ b/Presentation.pptx
@@ -8022,12 +8022,12 @@
           <a:lstStyle/>
           <a:p>
             <a:r>
-              <a:rPr lang="en-US" sz="4000" dirty="0">
+              <a:rPr lang="en-US" sz="4000">
                 <a:solidFill>
                   <a:srgbClr val="FFFFFF"/>
                 </a:solidFill>
               </a:rPr>
-              <a:t>Razor </a:t>
+              <a:t>Razer </a:t>
             </a:r>
             <a:r>
               <a:rPr lang="en-US" sz="4000" kern="1200" dirty="0">
